--- a/Arquivos para fazer/014 - Relatório softwares.pptx
+++ b/Arquivos para fazer/014 - Relatório softwares.pptx
@@ -10,22 +10,6 @@
     <p:sldId id="259" r:id="rId4"/>
     <p:sldId id="260" r:id="rId5"/>
     <p:sldId id="261" r:id="rId6"/>
-    <p:sldId id="262" r:id="rId7"/>
-    <p:sldId id="263" r:id="rId8"/>
-    <p:sldId id="264" r:id="rId9"/>
-    <p:sldId id="265" r:id="rId10"/>
-    <p:sldId id="266" r:id="rId11"/>
-    <p:sldId id="267" r:id="rId12"/>
-    <p:sldId id="268" r:id="rId13"/>
-    <p:sldId id="269" r:id="rId14"/>
-    <p:sldId id="270" r:id="rId15"/>
-    <p:sldId id="271" r:id="rId16"/>
-    <p:sldId id="272" r:id="rId17"/>
-    <p:sldId id="273" r:id="rId18"/>
-    <p:sldId id="274" r:id="rId19"/>
-    <p:sldId id="275" r:id="rId20"/>
-    <p:sldId id="276" r:id="rId21"/>
-    <p:sldId id="277" r:id="rId22"/>
   </p:sldIdLst>
   <p:sldSz cx="12192000" cy="6858000"/>
   <p:notesSz cx="6858000" cy="9144000"/>
@@ -124,6 +108,11 @@
       </a:defRPr>
     </a:lvl9pPr>
   </p:defaultTextStyle>
+  <p:extLst>
+    <p:ext uri="{EFAFB233-063F-42B5-8137-9DF3F51BA10A}">
+      <p15:sldGuideLst xmlns:p15="http://schemas.microsoft.com/office/powerpoint/2012/main"/>
+    </p:ext>
+  </p:extLst>
 </p:presentation>
 </file>
 
@@ -274,7 +263,7 @@
           <a:p>
             <a:fld id="{114F3BEE-6F2C-4149-BC71-2B18F9DCBF28}" type="datetimeFigureOut">
               <a:rPr lang="pt-BR" smtClean="0"/>
-              <a:t>02/03/2021</a:t>
+              <a:t>08/10/2025</a:t>
             </a:fld>
             <a:endParaRPr lang="pt-BR"/>
           </a:p>
@@ -472,7 +461,7 @@
           <a:p>
             <a:fld id="{114F3BEE-6F2C-4149-BC71-2B18F9DCBF28}" type="datetimeFigureOut">
               <a:rPr lang="pt-BR" smtClean="0"/>
-              <a:t>02/03/2021</a:t>
+              <a:t>08/10/2025</a:t>
             </a:fld>
             <a:endParaRPr lang="pt-BR"/>
           </a:p>
@@ -680,7 +669,7 @@
           <a:p>
             <a:fld id="{114F3BEE-6F2C-4149-BC71-2B18F9DCBF28}" type="datetimeFigureOut">
               <a:rPr lang="pt-BR" smtClean="0"/>
-              <a:t>02/03/2021</a:t>
+              <a:t>08/10/2025</a:t>
             </a:fld>
             <a:endParaRPr lang="pt-BR"/>
           </a:p>
@@ -878,7 +867,7 @@
           <a:p>
             <a:fld id="{114F3BEE-6F2C-4149-BC71-2B18F9DCBF28}" type="datetimeFigureOut">
               <a:rPr lang="pt-BR" smtClean="0"/>
-              <a:t>02/03/2021</a:t>
+              <a:t>08/10/2025</a:t>
             </a:fld>
             <a:endParaRPr lang="pt-BR"/>
           </a:p>
@@ -1153,7 +1142,7 @@
           <a:p>
             <a:fld id="{114F3BEE-6F2C-4149-BC71-2B18F9DCBF28}" type="datetimeFigureOut">
               <a:rPr lang="pt-BR" smtClean="0"/>
-              <a:t>02/03/2021</a:t>
+              <a:t>08/10/2025</a:t>
             </a:fld>
             <a:endParaRPr lang="pt-BR"/>
           </a:p>
@@ -1418,7 +1407,7 @@
           <a:p>
             <a:fld id="{114F3BEE-6F2C-4149-BC71-2B18F9DCBF28}" type="datetimeFigureOut">
               <a:rPr lang="pt-BR" smtClean="0"/>
-              <a:t>02/03/2021</a:t>
+              <a:t>08/10/2025</a:t>
             </a:fld>
             <a:endParaRPr lang="pt-BR"/>
           </a:p>
@@ -1830,7 +1819,7 @@
           <a:p>
             <a:fld id="{114F3BEE-6F2C-4149-BC71-2B18F9DCBF28}" type="datetimeFigureOut">
               <a:rPr lang="pt-BR" smtClean="0"/>
-              <a:t>02/03/2021</a:t>
+              <a:t>08/10/2025</a:t>
             </a:fld>
             <a:endParaRPr lang="pt-BR"/>
           </a:p>
@@ -1971,7 +1960,7 @@
           <a:p>
             <a:fld id="{114F3BEE-6F2C-4149-BC71-2B18F9DCBF28}" type="datetimeFigureOut">
               <a:rPr lang="pt-BR" smtClean="0"/>
-              <a:t>02/03/2021</a:t>
+              <a:t>08/10/2025</a:t>
             </a:fld>
             <a:endParaRPr lang="pt-BR"/>
           </a:p>
@@ -2084,7 +2073,7 @@
           <a:p>
             <a:fld id="{114F3BEE-6F2C-4149-BC71-2B18F9DCBF28}" type="datetimeFigureOut">
               <a:rPr lang="pt-BR" smtClean="0"/>
-              <a:t>02/03/2021</a:t>
+              <a:t>08/10/2025</a:t>
             </a:fld>
             <a:endParaRPr lang="pt-BR"/>
           </a:p>
@@ -2395,7 +2384,7 @@
           <a:p>
             <a:fld id="{114F3BEE-6F2C-4149-BC71-2B18F9DCBF28}" type="datetimeFigureOut">
               <a:rPr lang="pt-BR" smtClean="0"/>
-              <a:t>02/03/2021</a:t>
+              <a:t>08/10/2025</a:t>
             </a:fld>
             <a:endParaRPr lang="pt-BR"/>
           </a:p>
@@ -2683,7 +2672,7 @@
           <a:p>
             <a:fld id="{114F3BEE-6F2C-4149-BC71-2B18F9DCBF28}" type="datetimeFigureOut">
               <a:rPr lang="pt-BR" smtClean="0"/>
-              <a:t>02/03/2021</a:t>
+              <a:t>08/10/2025</a:t>
             </a:fld>
             <a:endParaRPr lang="pt-BR"/>
           </a:p>
@@ -2924,7 +2913,7 @@
           <a:p>
             <a:fld id="{114F3BEE-6F2C-4149-BC71-2B18F9DCBF28}" type="datetimeFigureOut">
               <a:rPr lang="pt-BR" smtClean="0"/>
-              <a:t>02/03/2021</a:t>
+              <a:t>08/10/2025</a:t>
             </a:fld>
             <a:endParaRPr lang="pt-BR"/>
           </a:p>
@@ -3392,8 +3381,13 @@
           <a:p>
             <a:r>
               <a:rPr lang="pt-BR" dirty="0"/>
-              <a:t>GRUPO ?</a:t>
-            </a:r>
+              <a:t>GRUPO Gestão de </a:t>
+            </a:r>
+            <a:r>
+              <a:rPr lang="pt-BR" dirty="0" err="1"/>
+              <a:t>SuperMercado</a:t>
+            </a:r>
+            <a:endParaRPr lang="pt-BR" dirty="0"/>
           </a:p>
         </p:txBody>
       </p:sp>
@@ -3401,1898 +3395,6 @@
     <p:extLst>
       <p:ext uri="{BB962C8B-B14F-4D97-AF65-F5344CB8AC3E}">
         <p14:creationId xmlns:p14="http://schemas.microsoft.com/office/powerpoint/2010/main" val="1178595246"/>
-      </p:ext>
-    </p:extLst>
-  </p:cSld>
-  <p:clrMapOvr>
-    <a:masterClrMapping/>
-  </p:clrMapOvr>
-</p:sld>
-</file>
-
-<file path=ppt/slides/slide10.xml><?xml version="1.0" encoding="utf-8"?>
-<p:sld xmlns:a="http://schemas.openxmlformats.org/drawingml/2006/main" xmlns:r="http://schemas.openxmlformats.org/officeDocument/2006/relationships" xmlns:p="http://schemas.openxmlformats.org/presentationml/2006/main">
-  <p:cSld>
-    <p:spTree>
-      <p:nvGrpSpPr>
-        <p:cNvPr id="1" name=""/>
-        <p:cNvGrpSpPr/>
-        <p:nvPr/>
-      </p:nvGrpSpPr>
-      <p:grpSpPr>
-        <a:xfrm>
-          <a:off x="0" y="0"/>
-          <a:ext cx="0" cy="0"/>
-          <a:chOff x="0" y="0"/>
-          <a:chExt cx="0" cy="0"/>
-        </a:xfrm>
-      </p:grpSpPr>
-      <p:sp>
-        <p:nvSpPr>
-          <p:cNvPr id="2" name="Título 1">
-            <a:extLst>
-              <a:ext uri="{FF2B5EF4-FFF2-40B4-BE49-F238E27FC236}">
-                <a16:creationId xmlns:a16="http://schemas.microsoft.com/office/drawing/2014/main" id="{BEECD517-CAC7-4515-A0D6-6166BB2C75FB}"/>
-              </a:ext>
-            </a:extLst>
-          </p:cNvPr>
-          <p:cNvSpPr>
-            <a:spLocks noGrp="1"/>
-          </p:cNvSpPr>
-          <p:nvPr>
-            <p:ph type="title"/>
-          </p:nvPr>
-        </p:nvSpPr>
-        <p:spPr/>
-        <p:txBody>
-          <a:bodyPr/>
-          <a:lstStyle/>
-          <a:p>
-            <a:r>
-              <a:rPr lang="pt-BR" dirty="0"/>
-              <a:t>Software 3</a:t>
-            </a:r>
-          </a:p>
-        </p:txBody>
-      </p:sp>
-      <p:graphicFrame>
-        <p:nvGraphicFramePr>
-          <p:cNvPr id="4" name="Espaço Reservado para Conteúdo 3">
-            <a:extLst>
-              <a:ext uri="{FF2B5EF4-FFF2-40B4-BE49-F238E27FC236}">
-                <a16:creationId xmlns:a16="http://schemas.microsoft.com/office/drawing/2014/main" id="{4742014A-4325-4F27-A37C-186D03078E24}"/>
-              </a:ext>
-            </a:extLst>
-          </p:cNvPr>
-          <p:cNvGraphicFramePr>
-            <a:graphicFrameLocks noGrp="1"/>
-          </p:cNvGraphicFramePr>
-          <p:nvPr>
-            <p:ph idx="1"/>
-            <p:extLst>
-              <p:ext uri="{D42A27DB-BD31-4B8C-83A1-F6EECF244321}">
-                <p14:modId xmlns:p14="http://schemas.microsoft.com/office/powerpoint/2010/main" val="2120679916"/>
-              </p:ext>
-            </p:extLst>
-          </p:nvPr>
-        </p:nvGraphicFramePr>
-        <p:xfrm>
-          <a:off x="838199" y="1690688"/>
-          <a:ext cx="10515600" cy="4901231"/>
-        </p:xfrm>
-        <a:graphic>
-          <a:graphicData uri="http://schemas.openxmlformats.org/drawingml/2006/table">
-            <a:tbl>
-              <a:tblPr firstCol="1" bandRow="1">
-                <a:tableStyleId>{93296810-A885-4BE3-A3E7-6D5BEEA58F35}</a:tableStyleId>
-              </a:tblPr>
-              <a:tblGrid>
-                <a:gridCol w="4017886">
-                  <a:extLst>
-                    <a:ext uri="{9D8B030D-6E8A-4147-A177-3AD203B41FA5}">
-                      <a16:colId xmlns:a16="http://schemas.microsoft.com/office/drawing/2014/main" val="3984042501"/>
-                    </a:ext>
-                  </a:extLst>
-                </a:gridCol>
-                <a:gridCol w="6497714">
-                  <a:extLst>
-                    <a:ext uri="{9D8B030D-6E8A-4147-A177-3AD203B41FA5}">
-                      <a16:colId xmlns:a16="http://schemas.microsoft.com/office/drawing/2014/main" val="1835585303"/>
-                    </a:ext>
-                  </a:extLst>
-                </a:gridCol>
-              </a:tblGrid>
-              <a:tr h="922492">
-                <a:tc>
-                  <a:txBody>
-                    <a:bodyPr/>
-                    <a:lstStyle/>
-                    <a:p>
-                      <a:pPr algn="l">
-                        <a:lnSpc>
-                          <a:spcPct val="150000"/>
-                        </a:lnSpc>
-                        <a:spcAft>
-                          <a:spcPts val="600"/>
-                        </a:spcAft>
-                      </a:pPr>
-                      <a:r>
-                        <a:rPr lang="pt-BR" sz="2800" dirty="0">
-                          <a:effectLst/>
-                        </a:rPr>
-                        <a:t>Nome:</a:t>
-                      </a:r>
-                      <a:endParaRPr lang="pt-BR" sz="2800" dirty="0">
-                        <a:effectLst/>
-                        <a:latin typeface="Arial" panose="020B0604020202020204" pitchFamily="34" charset="0"/>
-                        <a:ea typeface="Calibri" panose="020F0502020204030204" pitchFamily="34" charset="0"/>
-                        <a:cs typeface="Times New Roman" panose="02020603050405020304" pitchFamily="18" charset="0"/>
-                      </a:endParaRPr>
-                    </a:p>
-                  </a:txBody>
-                  <a:tcPr marL="48706" marR="48706" marT="0" marB="0" anchor="ctr"/>
-                </a:tc>
-                <a:tc>
-                  <a:txBody>
-                    <a:bodyPr/>
-                    <a:lstStyle/>
-                    <a:p>
-                      <a:pPr algn="just">
-                        <a:lnSpc>
-                          <a:spcPct val="150000"/>
-                        </a:lnSpc>
-                        <a:spcAft>
-                          <a:spcPts val="600"/>
-                        </a:spcAft>
-                      </a:pPr>
-                      <a:r>
-                        <a:rPr lang="pt-BR" sz="2800" dirty="0">
-                          <a:effectLst/>
-                        </a:rPr>
-                        <a:t> </a:t>
-                      </a:r>
-                      <a:endParaRPr lang="pt-BR" sz="2800" dirty="0">
-                        <a:effectLst/>
-                        <a:latin typeface="Arial" panose="020B0604020202020204" pitchFamily="34" charset="0"/>
-                        <a:ea typeface="Calibri" panose="020F0502020204030204" pitchFamily="34" charset="0"/>
-                        <a:cs typeface="Times New Roman" panose="02020603050405020304" pitchFamily="18" charset="0"/>
-                      </a:endParaRPr>
-                    </a:p>
-                  </a:txBody>
-                  <a:tcPr marL="48706" marR="48706" marT="0" marB="0"/>
-                </a:tc>
-                <a:extLst>
-                  <a:ext uri="{0D108BD9-81ED-4DB2-BD59-A6C34878D82A}">
-                    <a16:rowId xmlns:a16="http://schemas.microsoft.com/office/drawing/2014/main" val="297689699"/>
-                  </a:ext>
-                </a:extLst>
-              </a:tr>
-              <a:tr h="922492">
-                <a:tc>
-                  <a:txBody>
-                    <a:bodyPr/>
-                    <a:lstStyle/>
-                    <a:p>
-                      <a:pPr algn="l">
-                        <a:lnSpc>
-                          <a:spcPct val="150000"/>
-                        </a:lnSpc>
-                        <a:spcAft>
-                          <a:spcPts val="600"/>
-                        </a:spcAft>
-                      </a:pPr>
-                      <a:r>
-                        <a:rPr lang="pt-BR" sz="2800">
-                          <a:effectLst/>
-                        </a:rPr>
-                        <a:t>Plataforma destino:</a:t>
-                      </a:r>
-                      <a:endParaRPr lang="pt-BR" sz="2800">
-                        <a:effectLst/>
-                        <a:latin typeface="Arial" panose="020B0604020202020204" pitchFamily="34" charset="0"/>
-                        <a:ea typeface="Calibri" panose="020F0502020204030204" pitchFamily="34" charset="0"/>
-                        <a:cs typeface="Times New Roman" panose="02020603050405020304" pitchFamily="18" charset="0"/>
-                      </a:endParaRPr>
-                    </a:p>
-                  </a:txBody>
-                  <a:tcPr marL="48706" marR="48706" marT="0" marB="0" anchor="ctr"/>
-                </a:tc>
-                <a:tc>
-                  <a:txBody>
-                    <a:bodyPr/>
-                    <a:lstStyle/>
-                    <a:p>
-                      <a:pPr algn="just">
-                        <a:lnSpc>
-                          <a:spcPct val="150000"/>
-                        </a:lnSpc>
-                        <a:spcAft>
-                          <a:spcPts val="600"/>
-                        </a:spcAft>
-                      </a:pPr>
-                      <a:r>
-                        <a:rPr lang="pt-BR" sz="2800" dirty="0">
-                          <a:effectLst/>
-                        </a:rPr>
-                        <a:t> </a:t>
-                      </a:r>
-                      <a:endParaRPr lang="pt-BR" sz="2800" dirty="0">
-                        <a:effectLst/>
-                        <a:latin typeface="Arial" panose="020B0604020202020204" pitchFamily="34" charset="0"/>
-                        <a:ea typeface="Calibri" panose="020F0502020204030204" pitchFamily="34" charset="0"/>
-                        <a:cs typeface="Times New Roman" panose="02020603050405020304" pitchFamily="18" charset="0"/>
-                      </a:endParaRPr>
-                    </a:p>
-                  </a:txBody>
-                  <a:tcPr marL="48706" marR="48706" marT="0" marB="0"/>
-                </a:tc>
-                <a:extLst>
-                  <a:ext uri="{0D108BD9-81ED-4DB2-BD59-A6C34878D82A}">
-                    <a16:rowId xmlns:a16="http://schemas.microsoft.com/office/drawing/2014/main" val="426680033"/>
-                  </a:ext>
-                </a:extLst>
-              </a:tr>
-              <a:tr h="922492">
-                <a:tc>
-                  <a:txBody>
-                    <a:bodyPr/>
-                    <a:lstStyle/>
-                    <a:p>
-                      <a:pPr algn="l">
-                        <a:lnSpc>
-                          <a:spcPct val="150000"/>
-                        </a:lnSpc>
-                        <a:spcAft>
-                          <a:spcPts val="600"/>
-                        </a:spcAft>
-                      </a:pPr>
-                      <a:r>
-                        <a:rPr lang="pt-BR" sz="2800" dirty="0">
-                          <a:effectLst/>
-                        </a:rPr>
-                        <a:t>Autor (es) / empresa:</a:t>
-                      </a:r>
-                      <a:endParaRPr lang="pt-BR" sz="2800" dirty="0">
-                        <a:effectLst/>
-                        <a:latin typeface="Arial" panose="020B0604020202020204" pitchFamily="34" charset="0"/>
-                        <a:ea typeface="Calibri" panose="020F0502020204030204" pitchFamily="34" charset="0"/>
-                        <a:cs typeface="Times New Roman" panose="02020603050405020304" pitchFamily="18" charset="0"/>
-                      </a:endParaRPr>
-                    </a:p>
-                  </a:txBody>
-                  <a:tcPr marL="48706" marR="48706" marT="0" marB="0" anchor="ctr"/>
-                </a:tc>
-                <a:tc>
-                  <a:txBody>
-                    <a:bodyPr/>
-                    <a:lstStyle/>
-                    <a:p>
-                      <a:pPr algn="just">
-                        <a:lnSpc>
-                          <a:spcPct val="150000"/>
-                        </a:lnSpc>
-                        <a:spcAft>
-                          <a:spcPts val="600"/>
-                        </a:spcAft>
-                      </a:pPr>
-                      <a:r>
-                        <a:rPr lang="pt-BR" sz="2800" dirty="0">
-                          <a:effectLst/>
-                        </a:rPr>
-                        <a:t> </a:t>
-                      </a:r>
-                      <a:endParaRPr lang="pt-BR" sz="2800" dirty="0">
-                        <a:effectLst/>
-                        <a:latin typeface="Arial" panose="020B0604020202020204" pitchFamily="34" charset="0"/>
-                        <a:ea typeface="Calibri" panose="020F0502020204030204" pitchFamily="34" charset="0"/>
-                        <a:cs typeface="Times New Roman" panose="02020603050405020304" pitchFamily="18" charset="0"/>
-                      </a:endParaRPr>
-                    </a:p>
-                  </a:txBody>
-                  <a:tcPr marL="48706" marR="48706" marT="0" marB="0"/>
-                </a:tc>
-                <a:extLst>
-                  <a:ext uri="{0D108BD9-81ED-4DB2-BD59-A6C34878D82A}">
-                    <a16:rowId xmlns:a16="http://schemas.microsoft.com/office/drawing/2014/main" val="3707920009"/>
-                  </a:ext>
-                </a:extLst>
-              </a:tr>
-              <a:tr h="922492">
-                <a:tc>
-                  <a:txBody>
-                    <a:bodyPr/>
-                    <a:lstStyle/>
-                    <a:p>
-                      <a:pPr algn="l">
-                        <a:lnSpc>
-                          <a:spcPct val="150000"/>
-                        </a:lnSpc>
-                        <a:spcAft>
-                          <a:spcPts val="600"/>
-                        </a:spcAft>
-                      </a:pPr>
-                      <a:r>
-                        <a:rPr lang="pt-BR" sz="2800">
-                          <a:effectLst/>
-                        </a:rPr>
-                        <a:t>Link:</a:t>
-                      </a:r>
-                      <a:endParaRPr lang="pt-BR" sz="2800">
-                        <a:effectLst/>
-                        <a:latin typeface="Arial" panose="020B0604020202020204" pitchFamily="34" charset="0"/>
-                        <a:ea typeface="Calibri" panose="020F0502020204030204" pitchFamily="34" charset="0"/>
-                        <a:cs typeface="Times New Roman" panose="02020603050405020304" pitchFamily="18" charset="0"/>
-                      </a:endParaRPr>
-                    </a:p>
-                  </a:txBody>
-                  <a:tcPr marL="48706" marR="48706" marT="0" marB="0" anchor="ctr"/>
-                </a:tc>
-                <a:tc>
-                  <a:txBody>
-                    <a:bodyPr/>
-                    <a:lstStyle/>
-                    <a:p>
-                      <a:pPr algn="just">
-                        <a:lnSpc>
-                          <a:spcPct val="150000"/>
-                        </a:lnSpc>
-                        <a:spcAft>
-                          <a:spcPts val="600"/>
-                        </a:spcAft>
-                      </a:pPr>
-                      <a:r>
-                        <a:rPr lang="pt-BR" sz="2800" dirty="0">
-                          <a:effectLst/>
-                        </a:rPr>
-                        <a:t> </a:t>
-                      </a:r>
-                      <a:endParaRPr lang="pt-BR" sz="2800" dirty="0">
-                        <a:effectLst/>
-                        <a:latin typeface="Arial" panose="020B0604020202020204" pitchFamily="34" charset="0"/>
-                        <a:ea typeface="Calibri" panose="020F0502020204030204" pitchFamily="34" charset="0"/>
-                        <a:cs typeface="Times New Roman" panose="02020603050405020304" pitchFamily="18" charset="0"/>
-                      </a:endParaRPr>
-                    </a:p>
-                  </a:txBody>
-                  <a:tcPr marL="48706" marR="48706" marT="0" marB="0"/>
-                </a:tc>
-                <a:extLst>
-                  <a:ext uri="{0D108BD9-81ED-4DB2-BD59-A6C34878D82A}">
-                    <a16:rowId xmlns:a16="http://schemas.microsoft.com/office/drawing/2014/main" val="4218082234"/>
-                  </a:ext>
-                </a:extLst>
-              </a:tr>
-              <a:tr h="922492">
-                <a:tc>
-                  <a:txBody>
-                    <a:bodyPr/>
-                    <a:lstStyle/>
-                    <a:p>
-                      <a:pPr algn="l">
-                        <a:lnSpc>
-                          <a:spcPct val="150000"/>
-                        </a:lnSpc>
-                        <a:spcAft>
-                          <a:spcPts val="600"/>
-                        </a:spcAft>
-                      </a:pPr>
-                      <a:r>
-                        <a:rPr lang="pt-BR" sz="2800" dirty="0">
-                          <a:effectLst/>
-                        </a:rPr>
-                        <a:t>Valor (mensalidade ou licença)</a:t>
-                      </a:r>
-                      <a:endParaRPr lang="pt-BR" sz="2800" dirty="0">
-                        <a:effectLst/>
-                        <a:latin typeface="Arial" panose="020B0604020202020204" pitchFamily="34" charset="0"/>
-                        <a:ea typeface="Calibri" panose="020F0502020204030204" pitchFamily="34" charset="0"/>
-                        <a:cs typeface="Times New Roman" panose="02020603050405020304" pitchFamily="18" charset="0"/>
-                      </a:endParaRPr>
-                    </a:p>
-                  </a:txBody>
-                  <a:tcPr marL="48706" marR="48706" marT="0" marB="0" anchor="ctr"/>
-                </a:tc>
-                <a:tc>
-                  <a:txBody>
-                    <a:bodyPr/>
-                    <a:lstStyle/>
-                    <a:p>
-                      <a:pPr algn="just">
-                        <a:lnSpc>
-                          <a:spcPct val="150000"/>
-                        </a:lnSpc>
-                        <a:spcAft>
-                          <a:spcPts val="600"/>
-                        </a:spcAft>
-                      </a:pPr>
-                      <a:r>
-                        <a:rPr lang="pt-BR" sz="2800" dirty="0">
-                          <a:effectLst/>
-                        </a:rPr>
-                        <a:t> </a:t>
-                      </a:r>
-                      <a:endParaRPr lang="pt-BR" sz="2800" dirty="0">
-                        <a:effectLst/>
-                        <a:latin typeface="Arial" panose="020B0604020202020204" pitchFamily="34" charset="0"/>
-                        <a:ea typeface="Calibri" panose="020F0502020204030204" pitchFamily="34" charset="0"/>
-                        <a:cs typeface="Times New Roman" panose="02020603050405020304" pitchFamily="18" charset="0"/>
-                      </a:endParaRPr>
-                    </a:p>
-                  </a:txBody>
-                  <a:tcPr marL="48706" marR="48706" marT="0" marB="0"/>
-                </a:tc>
-                <a:extLst>
-                  <a:ext uri="{0D108BD9-81ED-4DB2-BD59-A6C34878D82A}">
-                    <a16:rowId xmlns:a16="http://schemas.microsoft.com/office/drawing/2014/main" val="3148288481"/>
-                  </a:ext>
-                </a:extLst>
-              </a:tr>
-            </a:tbl>
-          </a:graphicData>
-        </a:graphic>
-      </p:graphicFrame>
-    </p:spTree>
-    <p:extLst>
-      <p:ext uri="{BB962C8B-B14F-4D97-AF65-F5344CB8AC3E}">
-        <p14:creationId xmlns:p14="http://schemas.microsoft.com/office/powerpoint/2010/main" val="313568956"/>
-      </p:ext>
-    </p:extLst>
-  </p:cSld>
-  <p:clrMapOvr>
-    <a:masterClrMapping/>
-  </p:clrMapOvr>
-</p:sld>
-</file>
-
-<file path=ppt/slides/slide11.xml><?xml version="1.0" encoding="utf-8"?>
-<p:sld xmlns:a="http://schemas.openxmlformats.org/drawingml/2006/main" xmlns:r="http://schemas.openxmlformats.org/officeDocument/2006/relationships" xmlns:p="http://schemas.openxmlformats.org/presentationml/2006/main">
-  <p:cSld>
-    <p:spTree>
-      <p:nvGrpSpPr>
-        <p:cNvPr id="1" name=""/>
-        <p:cNvGrpSpPr/>
-        <p:nvPr/>
-      </p:nvGrpSpPr>
-      <p:grpSpPr>
-        <a:xfrm>
-          <a:off x="0" y="0"/>
-          <a:ext cx="0" cy="0"/>
-          <a:chOff x="0" y="0"/>
-          <a:chExt cx="0" cy="0"/>
-        </a:xfrm>
-      </p:grpSpPr>
-      <p:sp>
-        <p:nvSpPr>
-          <p:cNvPr id="2" name="Título 1">
-            <a:extLst>
-              <a:ext uri="{FF2B5EF4-FFF2-40B4-BE49-F238E27FC236}">
-                <a16:creationId xmlns:a16="http://schemas.microsoft.com/office/drawing/2014/main" id="{76A3EC03-A16E-476A-8BFF-2BF4315B193A}"/>
-              </a:ext>
-            </a:extLst>
-          </p:cNvPr>
-          <p:cNvSpPr>
-            <a:spLocks noGrp="1"/>
-          </p:cNvSpPr>
-          <p:nvPr>
-            <p:ph type="title"/>
-          </p:nvPr>
-        </p:nvSpPr>
-        <p:spPr/>
-        <p:txBody>
-          <a:bodyPr/>
-          <a:lstStyle/>
-          <a:p>
-            <a:r>
-              <a:rPr lang="pt-BR" sz="4400" dirty="0">
-                <a:effectLst/>
-              </a:rPr>
-              <a:t>Ideias que a ferramenta forneceu para o TCC</a:t>
-            </a:r>
-            <a:endParaRPr lang="pt-BR" dirty="0"/>
-          </a:p>
-        </p:txBody>
-      </p:sp>
-      <p:sp>
-        <p:nvSpPr>
-          <p:cNvPr id="3" name="Espaço Reservado para Conteúdo 2">
-            <a:extLst>
-              <a:ext uri="{FF2B5EF4-FFF2-40B4-BE49-F238E27FC236}">
-                <a16:creationId xmlns:a16="http://schemas.microsoft.com/office/drawing/2014/main" id="{AFA671E5-30CB-4252-A014-CB4AB527F8AA}"/>
-              </a:ext>
-            </a:extLst>
-          </p:cNvPr>
-          <p:cNvSpPr>
-            <a:spLocks noGrp="1"/>
-          </p:cNvSpPr>
-          <p:nvPr>
-            <p:ph idx="1"/>
-          </p:nvPr>
-        </p:nvSpPr>
-        <p:spPr/>
-        <p:txBody>
-          <a:bodyPr/>
-          <a:lstStyle/>
-          <a:p>
-            <a:endParaRPr lang="pt-BR"/>
-          </a:p>
-        </p:txBody>
-      </p:sp>
-    </p:spTree>
-    <p:extLst>
-      <p:ext uri="{BB962C8B-B14F-4D97-AF65-F5344CB8AC3E}">
-        <p14:creationId xmlns:p14="http://schemas.microsoft.com/office/powerpoint/2010/main" val="700080314"/>
-      </p:ext>
-    </p:extLst>
-  </p:cSld>
-  <p:clrMapOvr>
-    <a:masterClrMapping/>
-  </p:clrMapOvr>
-</p:sld>
-</file>
-
-<file path=ppt/slides/slide12.xml><?xml version="1.0" encoding="utf-8"?>
-<p:sld xmlns:a="http://schemas.openxmlformats.org/drawingml/2006/main" xmlns:r="http://schemas.openxmlformats.org/officeDocument/2006/relationships" xmlns:p="http://schemas.openxmlformats.org/presentationml/2006/main">
-  <p:cSld>
-    <p:spTree>
-      <p:nvGrpSpPr>
-        <p:cNvPr id="1" name=""/>
-        <p:cNvGrpSpPr/>
-        <p:nvPr/>
-      </p:nvGrpSpPr>
-      <p:grpSpPr>
-        <a:xfrm>
-          <a:off x="0" y="0"/>
-          <a:ext cx="0" cy="0"/>
-          <a:chOff x="0" y="0"/>
-          <a:chExt cx="0" cy="0"/>
-        </a:xfrm>
-      </p:grpSpPr>
-      <p:sp>
-        <p:nvSpPr>
-          <p:cNvPr id="2" name="Título 1">
-            <a:extLst>
-              <a:ext uri="{FF2B5EF4-FFF2-40B4-BE49-F238E27FC236}">
-                <a16:creationId xmlns:a16="http://schemas.microsoft.com/office/drawing/2014/main" id="{0042E326-C98D-43A5-87D2-019C9E2FA2DD}"/>
-              </a:ext>
-            </a:extLst>
-          </p:cNvPr>
-          <p:cNvSpPr>
-            <a:spLocks noGrp="1"/>
-          </p:cNvSpPr>
-          <p:nvPr>
-            <p:ph type="title"/>
-          </p:nvPr>
-        </p:nvSpPr>
-        <p:spPr/>
-        <p:txBody>
-          <a:bodyPr/>
-          <a:lstStyle/>
-          <a:p>
-            <a:r>
-              <a:rPr lang="pt-BR" dirty="0"/>
-              <a:t>Pontos positivos</a:t>
-            </a:r>
-          </a:p>
-        </p:txBody>
-      </p:sp>
-      <p:sp>
-        <p:nvSpPr>
-          <p:cNvPr id="3" name="Espaço Reservado para Conteúdo 2">
-            <a:extLst>
-              <a:ext uri="{FF2B5EF4-FFF2-40B4-BE49-F238E27FC236}">
-                <a16:creationId xmlns:a16="http://schemas.microsoft.com/office/drawing/2014/main" id="{ED3657B5-77DE-4845-81A0-A8CBAA7D440A}"/>
-              </a:ext>
-            </a:extLst>
-          </p:cNvPr>
-          <p:cNvSpPr>
-            <a:spLocks noGrp="1"/>
-          </p:cNvSpPr>
-          <p:nvPr>
-            <p:ph idx="1"/>
-          </p:nvPr>
-        </p:nvSpPr>
-        <p:spPr/>
-        <p:txBody>
-          <a:bodyPr/>
-          <a:lstStyle/>
-          <a:p>
-            <a:endParaRPr lang="pt-BR"/>
-          </a:p>
-        </p:txBody>
-      </p:sp>
-    </p:spTree>
-    <p:extLst>
-      <p:ext uri="{BB962C8B-B14F-4D97-AF65-F5344CB8AC3E}">
-        <p14:creationId xmlns:p14="http://schemas.microsoft.com/office/powerpoint/2010/main" val="980154816"/>
-      </p:ext>
-    </p:extLst>
-  </p:cSld>
-  <p:clrMapOvr>
-    <a:masterClrMapping/>
-  </p:clrMapOvr>
-</p:sld>
-</file>
-
-<file path=ppt/slides/slide13.xml><?xml version="1.0" encoding="utf-8"?>
-<p:sld xmlns:a="http://schemas.openxmlformats.org/drawingml/2006/main" xmlns:r="http://schemas.openxmlformats.org/officeDocument/2006/relationships" xmlns:p="http://schemas.openxmlformats.org/presentationml/2006/main">
-  <p:cSld>
-    <p:spTree>
-      <p:nvGrpSpPr>
-        <p:cNvPr id="1" name=""/>
-        <p:cNvGrpSpPr/>
-        <p:nvPr/>
-      </p:nvGrpSpPr>
-      <p:grpSpPr>
-        <a:xfrm>
-          <a:off x="0" y="0"/>
-          <a:ext cx="0" cy="0"/>
-          <a:chOff x="0" y="0"/>
-          <a:chExt cx="0" cy="0"/>
-        </a:xfrm>
-      </p:grpSpPr>
-      <p:sp>
-        <p:nvSpPr>
-          <p:cNvPr id="2" name="Título 1">
-            <a:extLst>
-              <a:ext uri="{FF2B5EF4-FFF2-40B4-BE49-F238E27FC236}">
-                <a16:creationId xmlns:a16="http://schemas.microsoft.com/office/drawing/2014/main" id="{41F2683C-0DFF-49C8-BA28-73FF3F3747EA}"/>
-              </a:ext>
-            </a:extLst>
-          </p:cNvPr>
-          <p:cNvSpPr>
-            <a:spLocks noGrp="1"/>
-          </p:cNvSpPr>
-          <p:nvPr>
-            <p:ph type="title"/>
-          </p:nvPr>
-        </p:nvSpPr>
-        <p:spPr/>
-        <p:txBody>
-          <a:bodyPr/>
-          <a:lstStyle/>
-          <a:p>
-            <a:r>
-              <a:rPr lang="pt-BR" dirty="0"/>
-              <a:t>Pontos negativos</a:t>
-            </a:r>
-          </a:p>
-        </p:txBody>
-      </p:sp>
-      <p:sp>
-        <p:nvSpPr>
-          <p:cNvPr id="3" name="Espaço Reservado para Conteúdo 2">
-            <a:extLst>
-              <a:ext uri="{FF2B5EF4-FFF2-40B4-BE49-F238E27FC236}">
-                <a16:creationId xmlns:a16="http://schemas.microsoft.com/office/drawing/2014/main" id="{C6D79520-3309-47B5-B116-635586744FB2}"/>
-              </a:ext>
-            </a:extLst>
-          </p:cNvPr>
-          <p:cNvSpPr>
-            <a:spLocks noGrp="1"/>
-          </p:cNvSpPr>
-          <p:nvPr>
-            <p:ph idx="1"/>
-          </p:nvPr>
-        </p:nvSpPr>
-        <p:spPr/>
-        <p:txBody>
-          <a:bodyPr/>
-          <a:lstStyle/>
-          <a:p>
-            <a:endParaRPr lang="pt-BR"/>
-          </a:p>
-        </p:txBody>
-      </p:sp>
-    </p:spTree>
-    <p:extLst>
-      <p:ext uri="{BB962C8B-B14F-4D97-AF65-F5344CB8AC3E}">
-        <p14:creationId xmlns:p14="http://schemas.microsoft.com/office/powerpoint/2010/main" val="2471421554"/>
-      </p:ext>
-    </p:extLst>
-  </p:cSld>
-  <p:clrMapOvr>
-    <a:masterClrMapping/>
-  </p:clrMapOvr>
-</p:sld>
-</file>
-
-<file path=ppt/slides/slide14.xml><?xml version="1.0" encoding="utf-8"?>
-<p:sld xmlns:a="http://schemas.openxmlformats.org/drawingml/2006/main" xmlns:r="http://schemas.openxmlformats.org/officeDocument/2006/relationships" xmlns:p="http://schemas.openxmlformats.org/presentationml/2006/main">
-  <p:cSld>
-    <p:spTree>
-      <p:nvGrpSpPr>
-        <p:cNvPr id="1" name=""/>
-        <p:cNvGrpSpPr/>
-        <p:nvPr/>
-      </p:nvGrpSpPr>
-      <p:grpSpPr>
-        <a:xfrm>
-          <a:off x="0" y="0"/>
-          <a:ext cx="0" cy="0"/>
-          <a:chOff x="0" y="0"/>
-          <a:chExt cx="0" cy="0"/>
-        </a:xfrm>
-      </p:grpSpPr>
-      <p:sp>
-        <p:nvSpPr>
-          <p:cNvPr id="2" name="Título 1">
-            <a:extLst>
-              <a:ext uri="{FF2B5EF4-FFF2-40B4-BE49-F238E27FC236}">
-                <a16:creationId xmlns:a16="http://schemas.microsoft.com/office/drawing/2014/main" id="{BEECD517-CAC7-4515-A0D6-6166BB2C75FB}"/>
-              </a:ext>
-            </a:extLst>
-          </p:cNvPr>
-          <p:cNvSpPr>
-            <a:spLocks noGrp="1"/>
-          </p:cNvSpPr>
-          <p:nvPr>
-            <p:ph type="title"/>
-          </p:nvPr>
-        </p:nvSpPr>
-        <p:spPr/>
-        <p:txBody>
-          <a:bodyPr/>
-          <a:lstStyle/>
-          <a:p>
-            <a:r>
-              <a:rPr lang="pt-BR" dirty="0"/>
-              <a:t>Software 4</a:t>
-            </a:r>
-          </a:p>
-        </p:txBody>
-      </p:sp>
-      <p:graphicFrame>
-        <p:nvGraphicFramePr>
-          <p:cNvPr id="4" name="Espaço Reservado para Conteúdo 3">
-            <a:extLst>
-              <a:ext uri="{FF2B5EF4-FFF2-40B4-BE49-F238E27FC236}">
-                <a16:creationId xmlns:a16="http://schemas.microsoft.com/office/drawing/2014/main" id="{4742014A-4325-4F27-A37C-186D03078E24}"/>
-              </a:ext>
-            </a:extLst>
-          </p:cNvPr>
-          <p:cNvGraphicFramePr>
-            <a:graphicFrameLocks noGrp="1"/>
-          </p:cNvGraphicFramePr>
-          <p:nvPr>
-            <p:ph idx="1"/>
-            <p:extLst>
-              <p:ext uri="{D42A27DB-BD31-4B8C-83A1-F6EECF244321}">
-                <p14:modId xmlns:p14="http://schemas.microsoft.com/office/powerpoint/2010/main" val="3985689748"/>
-              </p:ext>
-            </p:extLst>
-          </p:nvPr>
-        </p:nvGraphicFramePr>
-        <p:xfrm>
-          <a:off x="838199" y="1690688"/>
-          <a:ext cx="10515600" cy="4901231"/>
-        </p:xfrm>
-        <a:graphic>
-          <a:graphicData uri="http://schemas.openxmlformats.org/drawingml/2006/table">
-            <a:tbl>
-              <a:tblPr firstCol="1" bandRow="1">
-                <a:tableStyleId>{F5AB1C69-6EDB-4FF4-983F-18BD219EF322}</a:tableStyleId>
-              </a:tblPr>
-              <a:tblGrid>
-                <a:gridCol w="4017886">
-                  <a:extLst>
-                    <a:ext uri="{9D8B030D-6E8A-4147-A177-3AD203B41FA5}">
-                      <a16:colId xmlns:a16="http://schemas.microsoft.com/office/drawing/2014/main" val="3984042501"/>
-                    </a:ext>
-                  </a:extLst>
-                </a:gridCol>
-                <a:gridCol w="6497714">
-                  <a:extLst>
-                    <a:ext uri="{9D8B030D-6E8A-4147-A177-3AD203B41FA5}">
-                      <a16:colId xmlns:a16="http://schemas.microsoft.com/office/drawing/2014/main" val="1835585303"/>
-                    </a:ext>
-                  </a:extLst>
-                </a:gridCol>
-              </a:tblGrid>
-              <a:tr h="922492">
-                <a:tc>
-                  <a:txBody>
-                    <a:bodyPr/>
-                    <a:lstStyle/>
-                    <a:p>
-                      <a:pPr algn="l">
-                        <a:lnSpc>
-                          <a:spcPct val="150000"/>
-                        </a:lnSpc>
-                        <a:spcAft>
-                          <a:spcPts val="600"/>
-                        </a:spcAft>
-                      </a:pPr>
-                      <a:r>
-                        <a:rPr lang="pt-BR" sz="2800" dirty="0">
-                          <a:effectLst/>
-                        </a:rPr>
-                        <a:t>Nome:</a:t>
-                      </a:r>
-                      <a:endParaRPr lang="pt-BR" sz="2800" dirty="0">
-                        <a:effectLst/>
-                        <a:latin typeface="Arial" panose="020B0604020202020204" pitchFamily="34" charset="0"/>
-                        <a:ea typeface="Calibri" panose="020F0502020204030204" pitchFamily="34" charset="0"/>
-                        <a:cs typeface="Times New Roman" panose="02020603050405020304" pitchFamily="18" charset="0"/>
-                      </a:endParaRPr>
-                    </a:p>
-                  </a:txBody>
-                  <a:tcPr marL="48706" marR="48706" marT="0" marB="0" anchor="ctr"/>
-                </a:tc>
-                <a:tc>
-                  <a:txBody>
-                    <a:bodyPr/>
-                    <a:lstStyle/>
-                    <a:p>
-                      <a:pPr algn="just">
-                        <a:lnSpc>
-                          <a:spcPct val="150000"/>
-                        </a:lnSpc>
-                        <a:spcAft>
-                          <a:spcPts val="600"/>
-                        </a:spcAft>
-                      </a:pPr>
-                      <a:r>
-                        <a:rPr lang="pt-BR" sz="2800" dirty="0">
-                          <a:effectLst/>
-                        </a:rPr>
-                        <a:t> </a:t>
-                      </a:r>
-                      <a:endParaRPr lang="pt-BR" sz="2800" dirty="0">
-                        <a:effectLst/>
-                        <a:latin typeface="Arial" panose="020B0604020202020204" pitchFamily="34" charset="0"/>
-                        <a:ea typeface="Calibri" panose="020F0502020204030204" pitchFamily="34" charset="0"/>
-                        <a:cs typeface="Times New Roman" panose="02020603050405020304" pitchFamily="18" charset="0"/>
-                      </a:endParaRPr>
-                    </a:p>
-                  </a:txBody>
-                  <a:tcPr marL="48706" marR="48706" marT="0" marB="0"/>
-                </a:tc>
-                <a:extLst>
-                  <a:ext uri="{0D108BD9-81ED-4DB2-BD59-A6C34878D82A}">
-                    <a16:rowId xmlns:a16="http://schemas.microsoft.com/office/drawing/2014/main" val="297689699"/>
-                  </a:ext>
-                </a:extLst>
-              </a:tr>
-              <a:tr h="922492">
-                <a:tc>
-                  <a:txBody>
-                    <a:bodyPr/>
-                    <a:lstStyle/>
-                    <a:p>
-                      <a:pPr algn="l">
-                        <a:lnSpc>
-                          <a:spcPct val="150000"/>
-                        </a:lnSpc>
-                        <a:spcAft>
-                          <a:spcPts val="600"/>
-                        </a:spcAft>
-                      </a:pPr>
-                      <a:r>
-                        <a:rPr lang="pt-BR" sz="2800">
-                          <a:effectLst/>
-                        </a:rPr>
-                        <a:t>Plataforma destino:</a:t>
-                      </a:r>
-                      <a:endParaRPr lang="pt-BR" sz="2800">
-                        <a:effectLst/>
-                        <a:latin typeface="Arial" panose="020B0604020202020204" pitchFamily="34" charset="0"/>
-                        <a:ea typeface="Calibri" panose="020F0502020204030204" pitchFamily="34" charset="0"/>
-                        <a:cs typeface="Times New Roman" panose="02020603050405020304" pitchFamily="18" charset="0"/>
-                      </a:endParaRPr>
-                    </a:p>
-                  </a:txBody>
-                  <a:tcPr marL="48706" marR="48706" marT="0" marB="0" anchor="ctr"/>
-                </a:tc>
-                <a:tc>
-                  <a:txBody>
-                    <a:bodyPr/>
-                    <a:lstStyle/>
-                    <a:p>
-                      <a:pPr algn="just">
-                        <a:lnSpc>
-                          <a:spcPct val="150000"/>
-                        </a:lnSpc>
-                        <a:spcAft>
-                          <a:spcPts val="600"/>
-                        </a:spcAft>
-                      </a:pPr>
-                      <a:r>
-                        <a:rPr lang="pt-BR" sz="2800" dirty="0">
-                          <a:effectLst/>
-                        </a:rPr>
-                        <a:t> </a:t>
-                      </a:r>
-                      <a:endParaRPr lang="pt-BR" sz="2800" dirty="0">
-                        <a:effectLst/>
-                        <a:latin typeface="Arial" panose="020B0604020202020204" pitchFamily="34" charset="0"/>
-                        <a:ea typeface="Calibri" panose="020F0502020204030204" pitchFamily="34" charset="0"/>
-                        <a:cs typeface="Times New Roman" panose="02020603050405020304" pitchFamily="18" charset="0"/>
-                      </a:endParaRPr>
-                    </a:p>
-                  </a:txBody>
-                  <a:tcPr marL="48706" marR="48706" marT="0" marB="0"/>
-                </a:tc>
-                <a:extLst>
-                  <a:ext uri="{0D108BD9-81ED-4DB2-BD59-A6C34878D82A}">
-                    <a16:rowId xmlns:a16="http://schemas.microsoft.com/office/drawing/2014/main" val="426680033"/>
-                  </a:ext>
-                </a:extLst>
-              </a:tr>
-              <a:tr h="922492">
-                <a:tc>
-                  <a:txBody>
-                    <a:bodyPr/>
-                    <a:lstStyle/>
-                    <a:p>
-                      <a:pPr algn="l">
-                        <a:lnSpc>
-                          <a:spcPct val="150000"/>
-                        </a:lnSpc>
-                        <a:spcAft>
-                          <a:spcPts val="600"/>
-                        </a:spcAft>
-                      </a:pPr>
-                      <a:r>
-                        <a:rPr lang="pt-BR" sz="2800" dirty="0">
-                          <a:effectLst/>
-                        </a:rPr>
-                        <a:t>Autor (es) / empresa:</a:t>
-                      </a:r>
-                      <a:endParaRPr lang="pt-BR" sz="2800" dirty="0">
-                        <a:effectLst/>
-                        <a:latin typeface="Arial" panose="020B0604020202020204" pitchFamily="34" charset="0"/>
-                        <a:ea typeface="Calibri" panose="020F0502020204030204" pitchFamily="34" charset="0"/>
-                        <a:cs typeface="Times New Roman" panose="02020603050405020304" pitchFamily="18" charset="0"/>
-                      </a:endParaRPr>
-                    </a:p>
-                  </a:txBody>
-                  <a:tcPr marL="48706" marR="48706" marT="0" marB="0" anchor="ctr"/>
-                </a:tc>
-                <a:tc>
-                  <a:txBody>
-                    <a:bodyPr/>
-                    <a:lstStyle/>
-                    <a:p>
-                      <a:pPr algn="just">
-                        <a:lnSpc>
-                          <a:spcPct val="150000"/>
-                        </a:lnSpc>
-                        <a:spcAft>
-                          <a:spcPts val="600"/>
-                        </a:spcAft>
-                      </a:pPr>
-                      <a:r>
-                        <a:rPr lang="pt-BR" sz="2800" dirty="0">
-                          <a:effectLst/>
-                        </a:rPr>
-                        <a:t> </a:t>
-                      </a:r>
-                      <a:endParaRPr lang="pt-BR" sz="2800" dirty="0">
-                        <a:effectLst/>
-                        <a:latin typeface="Arial" panose="020B0604020202020204" pitchFamily="34" charset="0"/>
-                        <a:ea typeface="Calibri" panose="020F0502020204030204" pitchFamily="34" charset="0"/>
-                        <a:cs typeface="Times New Roman" panose="02020603050405020304" pitchFamily="18" charset="0"/>
-                      </a:endParaRPr>
-                    </a:p>
-                  </a:txBody>
-                  <a:tcPr marL="48706" marR="48706" marT="0" marB="0"/>
-                </a:tc>
-                <a:extLst>
-                  <a:ext uri="{0D108BD9-81ED-4DB2-BD59-A6C34878D82A}">
-                    <a16:rowId xmlns:a16="http://schemas.microsoft.com/office/drawing/2014/main" val="3707920009"/>
-                  </a:ext>
-                </a:extLst>
-              </a:tr>
-              <a:tr h="922492">
-                <a:tc>
-                  <a:txBody>
-                    <a:bodyPr/>
-                    <a:lstStyle/>
-                    <a:p>
-                      <a:pPr algn="l">
-                        <a:lnSpc>
-                          <a:spcPct val="150000"/>
-                        </a:lnSpc>
-                        <a:spcAft>
-                          <a:spcPts val="600"/>
-                        </a:spcAft>
-                      </a:pPr>
-                      <a:r>
-                        <a:rPr lang="pt-BR" sz="2800">
-                          <a:effectLst/>
-                        </a:rPr>
-                        <a:t>Link:</a:t>
-                      </a:r>
-                      <a:endParaRPr lang="pt-BR" sz="2800">
-                        <a:effectLst/>
-                        <a:latin typeface="Arial" panose="020B0604020202020204" pitchFamily="34" charset="0"/>
-                        <a:ea typeface="Calibri" panose="020F0502020204030204" pitchFamily="34" charset="0"/>
-                        <a:cs typeface="Times New Roman" panose="02020603050405020304" pitchFamily="18" charset="0"/>
-                      </a:endParaRPr>
-                    </a:p>
-                  </a:txBody>
-                  <a:tcPr marL="48706" marR="48706" marT="0" marB="0" anchor="ctr"/>
-                </a:tc>
-                <a:tc>
-                  <a:txBody>
-                    <a:bodyPr/>
-                    <a:lstStyle/>
-                    <a:p>
-                      <a:pPr algn="just">
-                        <a:lnSpc>
-                          <a:spcPct val="150000"/>
-                        </a:lnSpc>
-                        <a:spcAft>
-                          <a:spcPts val="600"/>
-                        </a:spcAft>
-                      </a:pPr>
-                      <a:r>
-                        <a:rPr lang="pt-BR" sz="2800" dirty="0">
-                          <a:effectLst/>
-                        </a:rPr>
-                        <a:t> </a:t>
-                      </a:r>
-                      <a:endParaRPr lang="pt-BR" sz="2800" dirty="0">
-                        <a:effectLst/>
-                        <a:latin typeface="Arial" panose="020B0604020202020204" pitchFamily="34" charset="0"/>
-                        <a:ea typeface="Calibri" panose="020F0502020204030204" pitchFamily="34" charset="0"/>
-                        <a:cs typeface="Times New Roman" panose="02020603050405020304" pitchFamily="18" charset="0"/>
-                      </a:endParaRPr>
-                    </a:p>
-                  </a:txBody>
-                  <a:tcPr marL="48706" marR="48706" marT="0" marB="0"/>
-                </a:tc>
-                <a:extLst>
-                  <a:ext uri="{0D108BD9-81ED-4DB2-BD59-A6C34878D82A}">
-                    <a16:rowId xmlns:a16="http://schemas.microsoft.com/office/drawing/2014/main" val="4218082234"/>
-                  </a:ext>
-                </a:extLst>
-              </a:tr>
-              <a:tr h="922492">
-                <a:tc>
-                  <a:txBody>
-                    <a:bodyPr/>
-                    <a:lstStyle/>
-                    <a:p>
-                      <a:pPr algn="l">
-                        <a:lnSpc>
-                          <a:spcPct val="150000"/>
-                        </a:lnSpc>
-                        <a:spcAft>
-                          <a:spcPts val="600"/>
-                        </a:spcAft>
-                      </a:pPr>
-                      <a:r>
-                        <a:rPr lang="pt-BR" sz="2800" dirty="0">
-                          <a:effectLst/>
-                        </a:rPr>
-                        <a:t>Valor (mensalidade ou licença)</a:t>
-                      </a:r>
-                      <a:endParaRPr lang="pt-BR" sz="2800" dirty="0">
-                        <a:effectLst/>
-                        <a:latin typeface="Arial" panose="020B0604020202020204" pitchFamily="34" charset="0"/>
-                        <a:ea typeface="Calibri" panose="020F0502020204030204" pitchFamily="34" charset="0"/>
-                        <a:cs typeface="Times New Roman" panose="02020603050405020304" pitchFamily="18" charset="0"/>
-                      </a:endParaRPr>
-                    </a:p>
-                  </a:txBody>
-                  <a:tcPr marL="48706" marR="48706" marT="0" marB="0" anchor="ctr"/>
-                </a:tc>
-                <a:tc>
-                  <a:txBody>
-                    <a:bodyPr/>
-                    <a:lstStyle/>
-                    <a:p>
-                      <a:pPr algn="just">
-                        <a:lnSpc>
-                          <a:spcPct val="150000"/>
-                        </a:lnSpc>
-                        <a:spcAft>
-                          <a:spcPts val="600"/>
-                        </a:spcAft>
-                      </a:pPr>
-                      <a:r>
-                        <a:rPr lang="pt-BR" sz="2800" dirty="0">
-                          <a:effectLst/>
-                        </a:rPr>
-                        <a:t> </a:t>
-                      </a:r>
-                      <a:endParaRPr lang="pt-BR" sz="2800" dirty="0">
-                        <a:effectLst/>
-                        <a:latin typeface="Arial" panose="020B0604020202020204" pitchFamily="34" charset="0"/>
-                        <a:ea typeface="Calibri" panose="020F0502020204030204" pitchFamily="34" charset="0"/>
-                        <a:cs typeface="Times New Roman" panose="02020603050405020304" pitchFamily="18" charset="0"/>
-                      </a:endParaRPr>
-                    </a:p>
-                  </a:txBody>
-                  <a:tcPr marL="48706" marR="48706" marT="0" marB="0"/>
-                </a:tc>
-                <a:extLst>
-                  <a:ext uri="{0D108BD9-81ED-4DB2-BD59-A6C34878D82A}">
-                    <a16:rowId xmlns:a16="http://schemas.microsoft.com/office/drawing/2014/main" val="3148288481"/>
-                  </a:ext>
-                </a:extLst>
-              </a:tr>
-            </a:tbl>
-          </a:graphicData>
-        </a:graphic>
-      </p:graphicFrame>
-    </p:spTree>
-    <p:extLst>
-      <p:ext uri="{BB962C8B-B14F-4D97-AF65-F5344CB8AC3E}">
-        <p14:creationId xmlns:p14="http://schemas.microsoft.com/office/powerpoint/2010/main" val="2500926178"/>
-      </p:ext>
-    </p:extLst>
-  </p:cSld>
-  <p:clrMapOvr>
-    <a:masterClrMapping/>
-  </p:clrMapOvr>
-</p:sld>
-</file>
-
-<file path=ppt/slides/slide15.xml><?xml version="1.0" encoding="utf-8"?>
-<p:sld xmlns:a="http://schemas.openxmlformats.org/drawingml/2006/main" xmlns:r="http://schemas.openxmlformats.org/officeDocument/2006/relationships" xmlns:p="http://schemas.openxmlformats.org/presentationml/2006/main">
-  <p:cSld>
-    <p:spTree>
-      <p:nvGrpSpPr>
-        <p:cNvPr id="1" name=""/>
-        <p:cNvGrpSpPr/>
-        <p:nvPr/>
-      </p:nvGrpSpPr>
-      <p:grpSpPr>
-        <a:xfrm>
-          <a:off x="0" y="0"/>
-          <a:ext cx="0" cy="0"/>
-          <a:chOff x="0" y="0"/>
-          <a:chExt cx="0" cy="0"/>
-        </a:xfrm>
-      </p:grpSpPr>
-      <p:sp>
-        <p:nvSpPr>
-          <p:cNvPr id="2" name="Título 1">
-            <a:extLst>
-              <a:ext uri="{FF2B5EF4-FFF2-40B4-BE49-F238E27FC236}">
-                <a16:creationId xmlns:a16="http://schemas.microsoft.com/office/drawing/2014/main" id="{76A3EC03-A16E-476A-8BFF-2BF4315B193A}"/>
-              </a:ext>
-            </a:extLst>
-          </p:cNvPr>
-          <p:cNvSpPr>
-            <a:spLocks noGrp="1"/>
-          </p:cNvSpPr>
-          <p:nvPr>
-            <p:ph type="title"/>
-          </p:nvPr>
-        </p:nvSpPr>
-        <p:spPr/>
-        <p:txBody>
-          <a:bodyPr/>
-          <a:lstStyle/>
-          <a:p>
-            <a:r>
-              <a:rPr lang="pt-BR" sz="4400" dirty="0">
-                <a:effectLst/>
-              </a:rPr>
-              <a:t>Ideias que a ferramenta forneceu para o TCC</a:t>
-            </a:r>
-            <a:endParaRPr lang="pt-BR" dirty="0"/>
-          </a:p>
-        </p:txBody>
-      </p:sp>
-      <p:sp>
-        <p:nvSpPr>
-          <p:cNvPr id="3" name="Espaço Reservado para Conteúdo 2">
-            <a:extLst>
-              <a:ext uri="{FF2B5EF4-FFF2-40B4-BE49-F238E27FC236}">
-                <a16:creationId xmlns:a16="http://schemas.microsoft.com/office/drawing/2014/main" id="{AFA671E5-30CB-4252-A014-CB4AB527F8AA}"/>
-              </a:ext>
-            </a:extLst>
-          </p:cNvPr>
-          <p:cNvSpPr>
-            <a:spLocks noGrp="1"/>
-          </p:cNvSpPr>
-          <p:nvPr>
-            <p:ph idx="1"/>
-          </p:nvPr>
-        </p:nvSpPr>
-        <p:spPr/>
-        <p:txBody>
-          <a:bodyPr/>
-          <a:lstStyle/>
-          <a:p>
-            <a:endParaRPr lang="pt-BR"/>
-          </a:p>
-        </p:txBody>
-      </p:sp>
-    </p:spTree>
-    <p:extLst>
-      <p:ext uri="{BB962C8B-B14F-4D97-AF65-F5344CB8AC3E}">
-        <p14:creationId xmlns:p14="http://schemas.microsoft.com/office/powerpoint/2010/main" val="3736541077"/>
-      </p:ext>
-    </p:extLst>
-  </p:cSld>
-  <p:clrMapOvr>
-    <a:masterClrMapping/>
-  </p:clrMapOvr>
-</p:sld>
-</file>
-
-<file path=ppt/slides/slide16.xml><?xml version="1.0" encoding="utf-8"?>
-<p:sld xmlns:a="http://schemas.openxmlformats.org/drawingml/2006/main" xmlns:r="http://schemas.openxmlformats.org/officeDocument/2006/relationships" xmlns:p="http://schemas.openxmlformats.org/presentationml/2006/main">
-  <p:cSld>
-    <p:spTree>
-      <p:nvGrpSpPr>
-        <p:cNvPr id="1" name=""/>
-        <p:cNvGrpSpPr/>
-        <p:nvPr/>
-      </p:nvGrpSpPr>
-      <p:grpSpPr>
-        <a:xfrm>
-          <a:off x="0" y="0"/>
-          <a:ext cx="0" cy="0"/>
-          <a:chOff x="0" y="0"/>
-          <a:chExt cx="0" cy="0"/>
-        </a:xfrm>
-      </p:grpSpPr>
-      <p:sp>
-        <p:nvSpPr>
-          <p:cNvPr id="2" name="Título 1">
-            <a:extLst>
-              <a:ext uri="{FF2B5EF4-FFF2-40B4-BE49-F238E27FC236}">
-                <a16:creationId xmlns:a16="http://schemas.microsoft.com/office/drawing/2014/main" id="{0042E326-C98D-43A5-87D2-019C9E2FA2DD}"/>
-              </a:ext>
-            </a:extLst>
-          </p:cNvPr>
-          <p:cNvSpPr>
-            <a:spLocks noGrp="1"/>
-          </p:cNvSpPr>
-          <p:nvPr>
-            <p:ph type="title"/>
-          </p:nvPr>
-        </p:nvSpPr>
-        <p:spPr/>
-        <p:txBody>
-          <a:bodyPr/>
-          <a:lstStyle/>
-          <a:p>
-            <a:r>
-              <a:rPr lang="pt-BR" dirty="0"/>
-              <a:t>Pontos positivos</a:t>
-            </a:r>
-          </a:p>
-        </p:txBody>
-      </p:sp>
-      <p:sp>
-        <p:nvSpPr>
-          <p:cNvPr id="3" name="Espaço Reservado para Conteúdo 2">
-            <a:extLst>
-              <a:ext uri="{FF2B5EF4-FFF2-40B4-BE49-F238E27FC236}">
-                <a16:creationId xmlns:a16="http://schemas.microsoft.com/office/drawing/2014/main" id="{ED3657B5-77DE-4845-81A0-A8CBAA7D440A}"/>
-              </a:ext>
-            </a:extLst>
-          </p:cNvPr>
-          <p:cNvSpPr>
-            <a:spLocks noGrp="1"/>
-          </p:cNvSpPr>
-          <p:nvPr>
-            <p:ph idx="1"/>
-          </p:nvPr>
-        </p:nvSpPr>
-        <p:spPr/>
-        <p:txBody>
-          <a:bodyPr/>
-          <a:lstStyle/>
-          <a:p>
-            <a:endParaRPr lang="pt-BR"/>
-          </a:p>
-        </p:txBody>
-      </p:sp>
-    </p:spTree>
-    <p:extLst>
-      <p:ext uri="{BB962C8B-B14F-4D97-AF65-F5344CB8AC3E}">
-        <p14:creationId xmlns:p14="http://schemas.microsoft.com/office/powerpoint/2010/main" val="3929231609"/>
-      </p:ext>
-    </p:extLst>
-  </p:cSld>
-  <p:clrMapOvr>
-    <a:masterClrMapping/>
-  </p:clrMapOvr>
-</p:sld>
-</file>
-
-<file path=ppt/slides/slide17.xml><?xml version="1.0" encoding="utf-8"?>
-<p:sld xmlns:a="http://schemas.openxmlformats.org/drawingml/2006/main" xmlns:r="http://schemas.openxmlformats.org/officeDocument/2006/relationships" xmlns:p="http://schemas.openxmlformats.org/presentationml/2006/main">
-  <p:cSld>
-    <p:spTree>
-      <p:nvGrpSpPr>
-        <p:cNvPr id="1" name=""/>
-        <p:cNvGrpSpPr/>
-        <p:nvPr/>
-      </p:nvGrpSpPr>
-      <p:grpSpPr>
-        <a:xfrm>
-          <a:off x="0" y="0"/>
-          <a:ext cx="0" cy="0"/>
-          <a:chOff x="0" y="0"/>
-          <a:chExt cx="0" cy="0"/>
-        </a:xfrm>
-      </p:grpSpPr>
-      <p:sp>
-        <p:nvSpPr>
-          <p:cNvPr id="2" name="Título 1">
-            <a:extLst>
-              <a:ext uri="{FF2B5EF4-FFF2-40B4-BE49-F238E27FC236}">
-                <a16:creationId xmlns:a16="http://schemas.microsoft.com/office/drawing/2014/main" id="{41F2683C-0DFF-49C8-BA28-73FF3F3747EA}"/>
-              </a:ext>
-            </a:extLst>
-          </p:cNvPr>
-          <p:cNvSpPr>
-            <a:spLocks noGrp="1"/>
-          </p:cNvSpPr>
-          <p:nvPr>
-            <p:ph type="title"/>
-          </p:nvPr>
-        </p:nvSpPr>
-        <p:spPr/>
-        <p:txBody>
-          <a:bodyPr/>
-          <a:lstStyle/>
-          <a:p>
-            <a:r>
-              <a:rPr lang="pt-BR" dirty="0"/>
-              <a:t>Pontos negativos</a:t>
-            </a:r>
-          </a:p>
-        </p:txBody>
-      </p:sp>
-      <p:sp>
-        <p:nvSpPr>
-          <p:cNvPr id="3" name="Espaço Reservado para Conteúdo 2">
-            <a:extLst>
-              <a:ext uri="{FF2B5EF4-FFF2-40B4-BE49-F238E27FC236}">
-                <a16:creationId xmlns:a16="http://schemas.microsoft.com/office/drawing/2014/main" id="{C6D79520-3309-47B5-B116-635586744FB2}"/>
-              </a:ext>
-            </a:extLst>
-          </p:cNvPr>
-          <p:cNvSpPr>
-            <a:spLocks noGrp="1"/>
-          </p:cNvSpPr>
-          <p:nvPr>
-            <p:ph idx="1"/>
-          </p:nvPr>
-        </p:nvSpPr>
-        <p:spPr/>
-        <p:txBody>
-          <a:bodyPr/>
-          <a:lstStyle/>
-          <a:p>
-            <a:endParaRPr lang="pt-BR"/>
-          </a:p>
-        </p:txBody>
-      </p:sp>
-    </p:spTree>
-    <p:extLst>
-      <p:ext uri="{BB962C8B-B14F-4D97-AF65-F5344CB8AC3E}">
-        <p14:creationId xmlns:p14="http://schemas.microsoft.com/office/powerpoint/2010/main" val="3373765678"/>
-      </p:ext>
-    </p:extLst>
-  </p:cSld>
-  <p:clrMapOvr>
-    <a:masterClrMapping/>
-  </p:clrMapOvr>
-</p:sld>
-</file>
-
-<file path=ppt/slides/slide18.xml><?xml version="1.0" encoding="utf-8"?>
-<p:sld xmlns:a="http://schemas.openxmlformats.org/drawingml/2006/main" xmlns:r="http://schemas.openxmlformats.org/officeDocument/2006/relationships" xmlns:p="http://schemas.openxmlformats.org/presentationml/2006/main">
-  <p:cSld>
-    <p:spTree>
-      <p:nvGrpSpPr>
-        <p:cNvPr id="1" name=""/>
-        <p:cNvGrpSpPr/>
-        <p:nvPr/>
-      </p:nvGrpSpPr>
-      <p:grpSpPr>
-        <a:xfrm>
-          <a:off x="0" y="0"/>
-          <a:ext cx="0" cy="0"/>
-          <a:chOff x="0" y="0"/>
-          <a:chExt cx="0" cy="0"/>
-        </a:xfrm>
-      </p:grpSpPr>
-      <p:sp>
-        <p:nvSpPr>
-          <p:cNvPr id="2" name="Título 1">
-            <a:extLst>
-              <a:ext uri="{FF2B5EF4-FFF2-40B4-BE49-F238E27FC236}">
-                <a16:creationId xmlns:a16="http://schemas.microsoft.com/office/drawing/2014/main" id="{BEECD517-CAC7-4515-A0D6-6166BB2C75FB}"/>
-              </a:ext>
-            </a:extLst>
-          </p:cNvPr>
-          <p:cNvSpPr>
-            <a:spLocks noGrp="1"/>
-          </p:cNvSpPr>
-          <p:nvPr>
-            <p:ph type="title"/>
-          </p:nvPr>
-        </p:nvSpPr>
-        <p:spPr/>
-        <p:txBody>
-          <a:bodyPr/>
-          <a:lstStyle/>
-          <a:p>
-            <a:r>
-              <a:rPr lang="pt-BR" dirty="0"/>
-              <a:t>Software 5</a:t>
-            </a:r>
-          </a:p>
-        </p:txBody>
-      </p:sp>
-      <p:graphicFrame>
-        <p:nvGraphicFramePr>
-          <p:cNvPr id="4" name="Espaço Reservado para Conteúdo 3">
-            <a:extLst>
-              <a:ext uri="{FF2B5EF4-FFF2-40B4-BE49-F238E27FC236}">
-                <a16:creationId xmlns:a16="http://schemas.microsoft.com/office/drawing/2014/main" id="{4742014A-4325-4F27-A37C-186D03078E24}"/>
-              </a:ext>
-            </a:extLst>
-          </p:cNvPr>
-          <p:cNvGraphicFramePr>
-            <a:graphicFrameLocks noGrp="1"/>
-          </p:cNvGraphicFramePr>
-          <p:nvPr>
-            <p:ph idx="1"/>
-            <p:extLst>
-              <p:ext uri="{D42A27DB-BD31-4B8C-83A1-F6EECF244321}">
-                <p14:modId xmlns:p14="http://schemas.microsoft.com/office/powerpoint/2010/main" val="3437577700"/>
-              </p:ext>
-            </p:extLst>
-          </p:nvPr>
-        </p:nvGraphicFramePr>
-        <p:xfrm>
-          <a:off x="838199" y="1690688"/>
-          <a:ext cx="10515600" cy="4901231"/>
-        </p:xfrm>
-        <a:graphic>
-          <a:graphicData uri="http://schemas.openxmlformats.org/drawingml/2006/table">
-            <a:tbl>
-              <a:tblPr firstCol="1" bandRow="1">
-                <a:tableStyleId>{073A0DAA-6AF3-43AB-8588-CEC1D06C72B9}</a:tableStyleId>
-              </a:tblPr>
-              <a:tblGrid>
-                <a:gridCol w="4017886">
-                  <a:extLst>
-                    <a:ext uri="{9D8B030D-6E8A-4147-A177-3AD203B41FA5}">
-                      <a16:colId xmlns:a16="http://schemas.microsoft.com/office/drawing/2014/main" val="3984042501"/>
-                    </a:ext>
-                  </a:extLst>
-                </a:gridCol>
-                <a:gridCol w="6497714">
-                  <a:extLst>
-                    <a:ext uri="{9D8B030D-6E8A-4147-A177-3AD203B41FA5}">
-                      <a16:colId xmlns:a16="http://schemas.microsoft.com/office/drawing/2014/main" val="1835585303"/>
-                    </a:ext>
-                  </a:extLst>
-                </a:gridCol>
-              </a:tblGrid>
-              <a:tr h="922492">
-                <a:tc>
-                  <a:txBody>
-                    <a:bodyPr/>
-                    <a:lstStyle/>
-                    <a:p>
-                      <a:pPr algn="l">
-                        <a:lnSpc>
-                          <a:spcPct val="150000"/>
-                        </a:lnSpc>
-                        <a:spcAft>
-                          <a:spcPts val="600"/>
-                        </a:spcAft>
-                      </a:pPr>
-                      <a:r>
-                        <a:rPr lang="pt-BR" sz="2800" dirty="0">
-                          <a:effectLst/>
-                        </a:rPr>
-                        <a:t>Nome:</a:t>
-                      </a:r>
-                      <a:endParaRPr lang="pt-BR" sz="2800" dirty="0">
-                        <a:effectLst/>
-                        <a:latin typeface="Arial" panose="020B0604020202020204" pitchFamily="34" charset="0"/>
-                        <a:ea typeface="Calibri" panose="020F0502020204030204" pitchFamily="34" charset="0"/>
-                        <a:cs typeface="Times New Roman" panose="02020603050405020304" pitchFamily="18" charset="0"/>
-                      </a:endParaRPr>
-                    </a:p>
-                  </a:txBody>
-                  <a:tcPr marL="48706" marR="48706" marT="0" marB="0" anchor="ctr"/>
-                </a:tc>
-                <a:tc>
-                  <a:txBody>
-                    <a:bodyPr/>
-                    <a:lstStyle/>
-                    <a:p>
-                      <a:pPr algn="just">
-                        <a:lnSpc>
-                          <a:spcPct val="150000"/>
-                        </a:lnSpc>
-                        <a:spcAft>
-                          <a:spcPts val="600"/>
-                        </a:spcAft>
-                      </a:pPr>
-                      <a:r>
-                        <a:rPr lang="pt-BR" sz="2800" dirty="0">
-                          <a:effectLst/>
-                        </a:rPr>
-                        <a:t> </a:t>
-                      </a:r>
-                      <a:endParaRPr lang="pt-BR" sz="2800" dirty="0">
-                        <a:effectLst/>
-                        <a:latin typeface="Arial" panose="020B0604020202020204" pitchFamily="34" charset="0"/>
-                        <a:ea typeface="Calibri" panose="020F0502020204030204" pitchFamily="34" charset="0"/>
-                        <a:cs typeface="Times New Roman" panose="02020603050405020304" pitchFamily="18" charset="0"/>
-                      </a:endParaRPr>
-                    </a:p>
-                  </a:txBody>
-                  <a:tcPr marL="48706" marR="48706" marT="0" marB="0"/>
-                </a:tc>
-                <a:extLst>
-                  <a:ext uri="{0D108BD9-81ED-4DB2-BD59-A6C34878D82A}">
-                    <a16:rowId xmlns:a16="http://schemas.microsoft.com/office/drawing/2014/main" val="297689699"/>
-                  </a:ext>
-                </a:extLst>
-              </a:tr>
-              <a:tr h="922492">
-                <a:tc>
-                  <a:txBody>
-                    <a:bodyPr/>
-                    <a:lstStyle/>
-                    <a:p>
-                      <a:pPr algn="l">
-                        <a:lnSpc>
-                          <a:spcPct val="150000"/>
-                        </a:lnSpc>
-                        <a:spcAft>
-                          <a:spcPts val="600"/>
-                        </a:spcAft>
-                      </a:pPr>
-                      <a:r>
-                        <a:rPr lang="pt-BR" sz="2800">
-                          <a:effectLst/>
-                        </a:rPr>
-                        <a:t>Plataforma destino:</a:t>
-                      </a:r>
-                      <a:endParaRPr lang="pt-BR" sz="2800">
-                        <a:effectLst/>
-                        <a:latin typeface="Arial" panose="020B0604020202020204" pitchFamily="34" charset="0"/>
-                        <a:ea typeface="Calibri" panose="020F0502020204030204" pitchFamily="34" charset="0"/>
-                        <a:cs typeface="Times New Roman" panose="02020603050405020304" pitchFamily="18" charset="0"/>
-                      </a:endParaRPr>
-                    </a:p>
-                  </a:txBody>
-                  <a:tcPr marL="48706" marR="48706" marT="0" marB="0" anchor="ctr"/>
-                </a:tc>
-                <a:tc>
-                  <a:txBody>
-                    <a:bodyPr/>
-                    <a:lstStyle/>
-                    <a:p>
-                      <a:pPr algn="just">
-                        <a:lnSpc>
-                          <a:spcPct val="150000"/>
-                        </a:lnSpc>
-                        <a:spcAft>
-                          <a:spcPts val="600"/>
-                        </a:spcAft>
-                      </a:pPr>
-                      <a:r>
-                        <a:rPr lang="pt-BR" sz="2800" dirty="0">
-                          <a:effectLst/>
-                        </a:rPr>
-                        <a:t> </a:t>
-                      </a:r>
-                      <a:endParaRPr lang="pt-BR" sz="2800" dirty="0">
-                        <a:effectLst/>
-                        <a:latin typeface="Arial" panose="020B0604020202020204" pitchFamily="34" charset="0"/>
-                        <a:ea typeface="Calibri" panose="020F0502020204030204" pitchFamily="34" charset="0"/>
-                        <a:cs typeface="Times New Roman" panose="02020603050405020304" pitchFamily="18" charset="0"/>
-                      </a:endParaRPr>
-                    </a:p>
-                  </a:txBody>
-                  <a:tcPr marL="48706" marR="48706" marT="0" marB="0"/>
-                </a:tc>
-                <a:extLst>
-                  <a:ext uri="{0D108BD9-81ED-4DB2-BD59-A6C34878D82A}">
-                    <a16:rowId xmlns:a16="http://schemas.microsoft.com/office/drawing/2014/main" val="426680033"/>
-                  </a:ext>
-                </a:extLst>
-              </a:tr>
-              <a:tr h="922492">
-                <a:tc>
-                  <a:txBody>
-                    <a:bodyPr/>
-                    <a:lstStyle/>
-                    <a:p>
-                      <a:pPr algn="l">
-                        <a:lnSpc>
-                          <a:spcPct val="150000"/>
-                        </a:lnSpc>
-                        <a:spcAft>
-                          <a:spcPts val="600"/>
-                        </a:spcAft>
-                      </a:pPr>
-                      <a:r>
-                        <a:rPr lang="pt-BR" sz="2800" dirty="0">
-                          <a:effectLst/>
-                        </a:rPr>
-                        <a:t>Autor (es) / empresa:</a:t>
-                      </a:r>
-                      <a:endParaRPr lang="pt-BR" sz="2800" dirty="0">
-                        <a:effectLst/>
-                        <a:latin typeface="Arial" panose="020B0604020202020204" pitchFamily="34" charset="0"/>
-                        <a:ea typeface="Calibri" panose="020F0502020204030204" pitchFamily="34" charset="0"/>
-                        <a:cs typeface="Times New Roman" panose="02020603050405020304" pitchFamily="18" charset="0"/>
-                      </a:endParaRPr>
-                    </a:p>
-                  </a:txBody>
-                  <a:tcPr marL="48706" marR="48706" marT="0" marB="0" anchor="ctr"/>
-                </a:tc>
-                <a:tc>
-                  <a:txBody>
-                    <a:bodyPr/>
-                    <a:lstStyle/>
-                    <a:p>
-                      <a:pPr algn="just">
-                        <a:lnSpc>
-                          <a:spcPct val="150000"/>
-                        </a:lnSpc>
-                        <a:spcAft>
-                          <a:spcPts val="600"/>
-                        </a:spcAft>
-                      </a:pPr>
-                      <a:r>
-                        <a:rPr lang="pt-BR" sz="2800" dirty="0">
-                          <a:effectLst/>
-                        </a:rPr>
-                        <a:t> </a:t>
-                      </a:r>
-                      <a:endParaRPr lang="pt-BR" sz="2800" dirty="0">
-                        <a:effectLst/>
-                        <a:latin typeface="Arial" panose="020B0604020202020204" pitchFamily="34" charset="0"/>
-                        <a:ea typeface="Calibri" panose="020F0502020204030204" pitchFamily="34" charset="0"/>
-                        <a:cs typeface="Times New Roman" panose="02020603050405020304" pitchFamily="18" charset="0"/>
-                      </a:endParaRPr>
-                    </a:p>
-                  </a:txBody>
-                  <a:tcPr marL="48706" marR="48706" marT="0" marB="0"/>
-                </a:tc>
-                <a:extLst>
-                  <a:ext uri="{0D108BD9-81ED-4DB2-BD59-A6C34878D82A}">
-                    <a16:rowId xmlns:a16="http://schemas.microsoft.com/office/drawing/2014/main" val="3707920009"/>
-                  </a:ext>
-                </a:extLst>
-              </a:tr>
-              <a:tr h="922492">
-                <a:tc>
-                  <a:txBody>
-                    <a:bodyPr/>
-                    <a:lstStyle/>
-                    <a:p>
-                      <a:pPr algn="l">
-                        <a:lnSpc>
-                          <a:spcPct val="150000"/>
-                        </a:lnSpc>
-                        <a:spcAft>
-                          <a:spcPts val="600"/>
-                        </a:spcAft>
-                      </a:pPr>
-                      <a:r>
-                        <a:rPr lang="pt-BR" sz="2800">
-                          <a:effectLst/>
-                        </a:rPr>
-                        <a:t>Link:</a:t>
-                      </a:r>
-                      <a:endParaRPr lang="pt-BR" sz="2800">
-                        <a:effectLst/>
-                        <a:latin typeface="Arial" panose="020B0604020202020204" pitchFamily="34" charset="0"/>
-                        <a:ea typeface="Calibri" panose="020F0502020204030204" pitchFamily="34" charset="0"/>
-                        <a:cs typeface="Times New Roman" panose="02020603050405020304" pitchFamily="18" charset="0"/>
-                      </a:endParaRPr>
-                    </a:p>
-                  </a:txBody>
-                  <a:tcPr marL="48706" marR="48706" marT="0" marB="0" anchor="ctr"/>
-                </a:tc>
-                <a:tc>
-                  <a:txBody>
-                    <a:bodyPr/>
-                    <a:lstStyle/>
-                    <a:p>
-                      <a:pPr algn="just">
-                        <a:lnSpc>
-                          <a:spcPct val="150000"/>
-                        </a:lnSpc>
-                        <a:spcAft>
-                          <a:spcPts val="600"/>
-                        </a:spcAft>
-                      </a:pPr>
-                      <a:r>
-                        <a:rPr lang="pt-BR" sz="2800" dirty="0">
-                          <a:effectLst/>
-                        </a:rPr>
-                        <a:t> </a:t>
-                      </a:r>
-                      <a:endParaRPr lang="pt-BR" sz="2800" dirty="0">
-                        <a:effectLst/>
-                        <a:latin typeface="Arial" panose="020B0604020202020204" pitchFamily="34" charset="0"/>
-                        <a:ea typeface="Calibri" panose="020F0502020204030204" pitchFamily="34" charset="0"/>
-                        <a:cs typeface="Times New Roman" panose="02020603050405020304" pitchFamily="18" charset="0"/>
-                      </a:endParaRPr>
-                    </a:p>
-                  </a:txBody>
-                  <a:tcPr marL="48706" marR="48706" marT="0" marB="0"/>
-                </a:tc>
-                <a:extLst>
-                  <a:ext uri="{0D108BD9-81ED-4DB2-BD59-A6C34878D82A}">
-                    <a16:rowId xmlns:a16="http://schemas.microsoft.com/office/drawing/2014/main" val="4218082234"/>
-                  </a:ext>
-                </a:extLst>
-              </a:tr>
-              <a:tr h="922492">
-                <a:tc>
-                  <a:txBody>
-                    <a:bodyPr/>
-                    <a:lstStyle/>
-                    <a:p>
-                      <a:pPr algn="l">
-                        <a:lnSpc>
-                          <a:spcPct val="150000"/>
-                        </a:lnSpc>
-                        <a:spcAft>
-                          <a:spcPts val="600"/>
-                        </a:spcAft>
-                      </a:pPr>
-                      <a:r>
-                        <a:rPr lang="pt-BR" sz="2800" dirty="0">
-                          <a:effectLst/>
-                        </a:rPr>
-                        <a:t>Valor (mensalidade ou licença)</a:t>
-                      </a:r>
-                      <a:endParaRPr lang="pt-BR" sz="2800" dirty="0">
-                        <a:effectLst/>
-                        <a:latin typeface="Arial" panose="020B0604020202020204" pitchFamily="34" charset="0"/>
-                        <a:ea typeface="Calibri" panose="020F0502020204030204" pitchFamily="34" charset="0"/>
-                        <a:cs typeface="Times New Roman" panose="02020603050405020304" pitchFamily="18" charset="0"/>
-                      </a:endParaRPr>
-                    </a:p>
-                  </a:txBody>
-                  <a:tcPr marL="48706" marR="48706" marT="0" marB="0" anchor="ctr"/>
-                </a:tc>
-                <a:tc>
-                  <a:txBody>
-                    <a:bodyPr/>
-                    <a:lstStyle/>
-                    <a:p>
-                      <a:pPr algn="just">
-                        <a:lnSpc>
-                          <a:spcPct val="150000"/>
-                        </a:lnSpc>
-                        <a:spcAft>
-                          <a:spcPts val="600"/>
-                        </a:spcAft>
-                      </a:pPr>
-                      <a:r>
-                        <a:rPr lang="pt-BR" sz="2800" dirty="0">
-                          <a:effectLst/>
-                        </a:rPr>
-                        <a:t> </a:t>
-                      </a:r>
-                      <a:endParaRPr lang="pt-BR" sz="2800" dirty="0">
-                        <a:effectLst/>
-                        <a:latin typeface="Arial" panose="020B0604020202020204" pitchFamily="34" charset="0"/>
-                        <a:ea typeface="Calibri" panose="020F0502020204030204" pitchFamily="34" charset="0"/>
-                        <a:cs typeface="Times New Roman" panose="02020603050405020304" pitchFamily="18" charset="0"/>
-                      </a:endParaRPr>
-                    </a:p>
-                  </a:txBody>
-                  <a:tcPr marL="48706" marR="48706" marT="0" marB="0"/>
-                </a:tc>
-                <a:extLst>
-                  <a:ext uri="{0D108BD9-81ED-4DB2-BD59-A6C34878D82A}">
-                    <a16:rowId xmlns:a16="http://schemas.microsoft.com/office/drawing/2014/main" val="3148288481"/>
-                  </a:ext>
-                </a:extLst>
-              </a:tr>
-            </a:tbl>
-          </a:graphicData>
-        </a:graphic>
-      </p:graphicFrame>
-    </p:spTree>
-    <p:extLst>
-      <p:ext uri="{BB962C8B-B14F-4D97-AF65-F5344CB8AC3E}">
-        <p14:creationId xmlns:p14="http://schemas.microsoft.com/office/powerpoint/2010/main" val="2538482451"/>
-      </p:ext>
-    </p:extLst>
-  </p:cSld>
-  <p:clrMapOvr>
-    <a:masterClrMapping/>
-  </p:clrMapOvr>
-</p:sld>
-</file>
-
-<file path=ppt/slides/slide19.xml><?xml version="1.0" encoding="utf-8"?>
-<p:sld xmlns:a="http://schemas.openxmlformats.org/drawingml/2006/main" xmlns:r="http://schemas.openxmlformats.org/officeDocument/2006/relationships" xmlns:p="http://schemas.openxmlformats.org/presentationml/2006/main">
-  <p:cSld>
-    <p:spTree>
-      <p:nvGrpSpPr>
-        <p:cNvPr id="1" name=""/>
-        <p:cNvGrpSpPr/>
-        <p:nvPr/>
-      </p:nvGrpSpPr>
-      <p:grpSpPr>
-        <a:xfrm>
-          <a:off x="0" y="0"/>
-          <a:ext cx="0" cy="0"/>
-          <a:chOff x="0" y="0"/>
-          <a:chExt cx="0" cy="0"/>
-        </a:xfrm>
-      </p:grpSpPr>
-      <p:sp>
-        <p:nvSpPr>
-          <p:cNvPr id="2" name="Título 1">
-            <a:extLst>
-              <a:ext uri="{FF2B5EF4-FFF2-40B4-BE49-F238E27FC236}">
-                <a16:creationId xmlns:a16="http://schemas.microsoft.com/office/drawing/2014/main" id="{76A3EC03-A16E-476A-8BFF-2BF4315B193A}"/>
-              </a:ext>
-            </a:extLst>
-          </p:cNvPr>
-          <p:cNvSpPr>
-            <a:spLocks noGrp="1"/>
-          </p:cNvSpPr>
-          <p:nvPr>
-            <p:ph type="title"/>
-          </p:nvPr>
-        </p:nvSpPr>
-        <p:spPr/>
-        <p:txBody>
-          <a:bodyPr/>
-          <a:lstStyle/>
-          <a:p>
-            <a:r>
-              <a:rPr lang="pt-BR" sz="4400" dirty="0">
-                <a:effectLst/>
-              </a:rPr>
-              <a:t>Ideias que a ferramenta forneceu para o TCC</a:t>
-            </a:r>
-            <a:endParaRPr lang="pt-BR" dirty="0"/>
-          </a:p>
-        </p:txBody>
-      </p:sp>
-      <p:sp>
-        <p:nvSpPr>
-          <p:cNvPr id="3" name="Espaço Reservado para Conteúdo 2">
-            <a:extLst>
-              <a:ext uri="{FF2B5EF4-FFF2-40B4-BE49-F238E27FC236}">
-                <a16:creationId xmlns:a16="http://schemas.microsoft.com/office/drawing/2014/main" id="{AFA671E5-30CB-4252-A014-CB4AB527F8AA}"/>
-              </a:ext>
-            </a:extLst>
-          </p:cNvPr>
-          <p:cNvSpPr>
-            <a:spLocks noGrp="1"/>
-          </p:cNvSpPr>
-          <p:nvPr>
-            <p:ph idx="1"/>
-          </p:nvPr>
-        </p:nvSpPr>
-        <p:spPr/>
-        <p:txBody>
-          <a:bodyPr/>
-          <a:lstStyle/>
-          <a:p>
-            <a:endParaRPr lang="pt-BR"/>
-          </a:p>
-        </p:txBody>
-      </p:sp>
-    </p:spTree>
-    <p:extLst>
-      <p:ext uri="{BB962C8B-B14F-4D97-AF65-F5344CB8AC3E}">
-        <p14:creationId xmlns:p14="http://schemas.microsoft.com/office/powerpoint/2010/main" val="3231699778"/>
       </p:ext>
     </p:extLst>
   </p:cSld>
@@ -5363,14 +3465,14 @@
             <p:ph idx="1"/>
             <p:extLst>
               <p:ext uri="{D42A27DB-BD31-4B8C-83A1-F6EECF244321}">
-                <p14:modId xmlns:p14="http://schemas.microsoft.com/office/powerpoint/2010/main" val="4012365016"/>
+                <p14:modId xmlns:p14="http://schemas.microsoft.com/office/powerpoint/2010/main" val="2505453917"/>
               </p:ext>
             </p:extLst>
           </p:nvPr>
         </p:nvGraphicFramePr>
         <p:xfrm>
           <a:off x="838199" y="1690688"/>
-          <a:ext cx="10515600" cy="4901231"/>
+          <a:ext cx="10515600" cy="5190002"/>
         </p:xfrm>
         <a:graphic>
           <a:graphicData uri="http://schemas.openxmlformats.org/drawingml/2006/table">
@@ -5506,7 +3608,7 @@
                         <a:rPr lang="pt-BR" sz="2800" dirty="0">
                           <a:effectLst/>
                         </a:rPr>
-                        <a:t> </a:t>
+                        <a:t> Aplicativo Mobile/Web</a:t>
                       </a:r>
                       <a:endParaRPr lang="pt-BR" sz="2800" dirty="0">
                         <a:effectLst/>
@@ -5568,10 +3670,40 @@
                         </a:spcAft>
                       </a:pPr>
                       <a:r>
+                        <a:rPr lang="pt-BR" sz="2800" dirty="0" err="1">
+                          <a:effectLst/>
+                        </a:rPr>
+                        <a:t>Rhyan</a:t>
+                      </a:r>
+                      <a:r>
                         <a:rPr lang="pt-BR" sz="2800" dirty="0">
                           <a:effectLst/>
                         </a:rPr>
-                        <a:t> </a:t>
+                        <a:t> Augusto, </a:t>
+                      </a:r>
+                      <a:r>
+                        <a:rPr lang="pt-BR" sz="2800" dirty="0" err="1">
+                          <a:effectLst/>
+                        </a:rPr>
+                        <a:t>Maxsuel</a:t>
+                      </a:r>
+                      <a:r>
+                        <a:rPr lang="pt-BR" sz="2800" dirty="0">
+                          <a:effectLst/>
+                        </a:rPr>
+                        <a:t> Rodrigues, Rafael </a:t>
+                      </a:r>
+                      <a:r>
+                        <a:rPr lang="pt-BR" sz="2800" dirty="0" err="1">
+                          <a:effectLst/>
+                        </a:rPr>
+                        <a:t>Áraujo</a:t>
+                      </a:r>
+                      <a:r>
+                        <a:rPr lang="pt-BR" sz="2800" dirty="0">
+                          <a:effectLst/>
+                        </a:rPr>
+                        <a:t>, Paulo Ricardo, Júlio César</a:t>
                       </a:r>
                       <a:endParaRPr lang="pt-BR" sz="2800" dirty="0">
                         <a:effectLst/>
@@ -5604,12 +3736,12 @@
                         </a:spcAft>
                       </a:pPr>
                       <a:r>
-                        <a:rPr lang="pt-BR" sz="2800">
+                        <a:rPr lang="pt-BR" sz="2800" dirty="0">
                           <a:effectLst/>
                         </a:rPr>
                         <a:t>Link:</a:t>
                       </a:r>
-                      <a:endParaRPr lang="pt-BR" sz="2800">
+                      <a:endParaRPr lang="pt-BR" sz="2800" dirty="0">
                         <a:effectLst/>
                         <a:latin typeface="Arial" panose="020B0604020202020204" pitchFamily="34" charset="0"/>
                         <a:ea typeface="Calibri" panose="020F0502020204030204" pitchFamily="34" charset="0"/>
@@ -5736,172 +3868,6 @@
 </p:sld>
 </file>
 
-<file path=ppt/slides/slide20.xml><?xml version="1.0" encoding="utf-8"?>
-<p:sld xmlns:a="http://schemas.openxmlformats.org/drawingml/2006/main" xmlns:r="http://schemas.openxmlformats.org/officeDocument/2006/relationships" xmlns:p="http://schemas.openxmlformats.org/presentationml/2006/main">
-  <p:cSld>
-    <p:spTree>
-      <p:nvGrpSpPr>
-        <p:cNvPr id="1" name=""/>
-        <p:cNvGrpSpPr/>
-        <p:nvPr/>
-      </p:nvGrpSpPr>
-      <p:grpSpPr>
-        <a:xfrm>
-          <a:off x="0" y="0"/>
-          <a:ext cx="0" cy="0"/>
-          <a:chOff x="0" y="0"/>
-          <a:chExt cx="0" cy="0"/>
-        </a:xfrm>
-      </p:grpSpPr>
-      <p:sp>
-        <p:nvSpPr>
-          <p:cNvPr id="2" name="Título 1">
-            <a:extLst>
-              <a:ext uri="{FF2B5EF4-FFF2-40B4-BE49-F238E27FC236}">
-                <a16:creationId xmlns:a16="http://schemas.microsoft.com/office/drawing/2014/main" id="{0042E326-C98D-43A5-87D2-019C9E2FA2DD}"/>
-              </a:ext>
-            </a:extLst>
-          </p:cNvPr>
-          <p:cNvSpPr>
-            <a:spLocks noGrp="1"/>
-          </p:cNvSpPr>
-          <p:nvPr>
-            <p:ph type="title"/>
-          </p:nvPr>
-        </p:nvSpPr>
-        <p:spPr/>
-        <p:txBody>
-          <a:bodyPr/>
-          <a:lstStyle/>
-          <a:p>
-            <a:r>
-              <a:rPr lang="pt-BR" dirty="0"/>
-              <a:t>Pontos positivos</a:t>
-            </a:r>
-          </a:p>
-        </p:txBody>
-      </p:sp>
-      <p:sp>
-        <p:nvSpPr>
-          <p:cNvPr id="3" name="Espaço Reservado para Conteúdo 2">
-            <a:extLst>
-              <a:ext uri="{FF2B5EF4-FFF2-40B4-BE49-F238E27FC236}">
-                <a16:creationId xmlns:a16="http://schemas.microsoft.com/office/drawing/2014/main" id="{ED3657B5-77DE-4845-81A0-A8CBAA7D440A}"/>
-              </a:ext>
-            </a:extLst>
-          </p:cNvPr>
-          <p:cNvSpPr>
-            <a:spLocks noGrp="1"/>
-          </p:cNvSpPr>
-          <p:nvPr>
-            <p:ph idx="1"/>
-          </p:nvPr>
-        </p:nvSpPr>
-        <p:spPr/>
-        <p:txBody>
-          <a:bodyPr/>
-          <a:lstStyle/>
-          <a:p>
-            <a:endParaRPr lang="pt-BR"/>
-          </a:p>
-        </p:txBody>
-      </p:sp>
-    </p:spTree>
-    <p:extLst>
-      <p:ext uri="{BB962C8B-B14F-4D97-AF65-F5344CB8AC3E}">
-        <p14:creationId xmlns:p14="http://schemas.microsoft.com/office/powerpoint/2010/main" val="2674048910"/>
-      </p:ext>
-    </p:extLst>
-  </p:cSld>
-  <p:clrMapOvr>
-    <a:masterClrMapping/>
-  </p:clrMapOvr>
-</p:sld>
-</file>
-
-<file path=ppt/slides/slide21.xml><?xml version="1.0" encoding="utf-8"?>
-<p:sld xmlns:a="http://schemas.openxmlformats.org/drawingml/2006/main" xmlns:r="http://schemas.openxmlformats.org/officeDocument/2006/relationships" xmlns:p="http://schemas.openxmlformats.org/presentationml/2006/main">
-  <p:cSld>
-    <p:spTree>
-      <p:nvGrpSpPr>
-        <p:cNvPr id="1" name=""/>
-        <p:cNvGrpSpPr/>
-        <p:nvPr/>
-      </p:nvGrpSpPr>
-      <p:grpSpPr>
-        <a:xfrm>
-          <a:off x="0" y="0"/>
-          <a:ext cx="0" cy="0"/>
-          <a:chOff x="0" y="0"/>
-          <a:chExt cx="0" cy="0"/>
-        </a:xfrm>
-      </p:grpSpPr>
-      <p:sp>
-        <p:nvSpPr>
-          <p:cNvPr id="2" name="Título 1">
-            <a:extLst>
-              <a:ext uri="{FF2B5EF4-FFF2-40B4-BE49-F238E27FC236}">
-                <a16:creationId xmlns:a16="http://schemas.microsoft.com/office/drawing/2014/main" id="{41F2683C-0DFF-49C8-BA28-73FF3F3747EA}"/>
-              </a:ext>
-            </a:extLst>
-          </p:cNvPr>
-          <p:cNvSpPr>
-            <a:spLocks noGrp="1"/>
-          </p:cNvSpPr>
-          <p:nvPr>
-            <p:ph type="title"/>
-          </p:nvPr>
-        </p:nvSpPr>
-        <p:spPr/>
-        <p:txBody>
-          <a:bodyPr/>
-          <a:lstStyle/>
-          <a:p>
-            <a:r>
-              <a:rPr lang="pt-BR" dirty="0"/>
-              <a:t>Pontos negativos</a:t>
-            </a:r>
-          </a:p>
-        </p:txBody>
-      </p:sp>
-      <p:sp>
-        <p:nvSpPr>
-          <p:cNvPr id="3" name="Espaço Reservado para Conteúdo 2">
-            <a:extLst>
-              <a:ext uri="{FF2B5EF4-FFF2-40B4-BE49-F238E27FC236}">
-                <a16:creationId xmlns:a16="http://schemas.microsoft.com/office/drawing/2014/main" id="{C6D79520-3309-47B5-B116-635586744FB2}"/>
-              </a:ext>
-            </a:extLst>
-          </p:cNvPr>
-          <p:cNvSpPr>
-            <a:spLocks noGrp="1"/>
-          </p:cNvSpPr>
-          <p:nvPr>
-            <p:ph idx="1"/>
-          </p:nvPr>
-        </p:nvSpPr>
-        <p:spPr/>
-        <p:txBody>
-          <a:bodyPr/>
-          <a:lstStyle/>
-          <a:p>
-            <a:endParaRPr lang="pt-BR"/>
-          </a:p>
-        </p:txBody>
-      </p:sp>
-    </p:spTree>
-    <p:extLst>
-      <p:ext uri="{BB962C8B-B14F-4D97-AF65-F5344CB8AC3E}">
-        <p14:creationId xmlns:p14="http://schemas.microsoft.com/office/powerpoint/2010/main" val="4269469798"/>
-      </p:ext>
-    </p:extLst>
-  </p:cSld>
-  <p:clrMapOvr>
-    <a:masterClrMapping/>
-  </p:clrMapOvr>
-</p:sld>
-</file>
-
 <file path=ppt/slides/slide3.xml><?xml version="1.0" encoding="utf-8"?>
 <p:sld xmlns:a="http://schemas.openxmlformats.org/drawingml/2006/main" xmlns:r="http://schemas.openxmlformats.org/officeDocument/2006/relationships" xmlns:p="http://schemas.openxmlformats.org/presentationml/2006/main">
   <p:cSld>
@@ -5944,18 +3910,104 @@
               <a:rPr lang="pt-BR" sz="4400" dirty="0">
                 <a:effectLst/>
               </a:rPr>
-              <a:t>Ideias que a ferramenta forneceu para o TCC</a:t>
+              <a:t>Ideias que a ferramenta forneceu para o TCC	</a:t>
             </a:r>
             <a:endParaRPr lang="pt-BR" dirty="0"/>
           </a:p>
         </p:txBody>
       </p:sp>
-      <p:sp>
-        <p:nvSpPr>
-          <p:cNvPr id="3" name="Espaço Reservado para Conteúdo 2">
-            <a:extLst>
-              <a:ext uri="{FF2B5EF4-FFF2-40B4-BE49-F238E27FC236}">
-                <a16:creationId xmlns:a16="http://schemas.microsoft.com/office/drawing/2014/main" id="{AFA671E5-30CB-4252-A014-CB4AB527F8AA}"/>
+      <p:graphicFrame>
+        <p:nvGraphicFramePr>
+          <p:cNvPr id="5" name="Tabela 4">
+            <a:extLst>
+              <a:ext uri="{FF2B5EF4-FFF2-40B4-BE49-F238E27FC236}">
+                <a16:creationId xmlns:a16="http://schemas.microsoft.com/office/drawing/2014/main" id="{C9BFDB2D-F77E-4D6A-A234-75143FEFAC3C}"/>
+              </a:ext>
+            </a:extLst>
+          </p:cNvPr>
+          <p:cNvGraphicFramePr>
+            <a:graphicFrameLocks noGrp="1"/>
+          </p:cNvGraphicFramePr>
+          <p:nvPr>
+            <p:extLst>
+              <p:ext uri="{D42A27DB-BD31-4B8C-83A1-F6EECF244321}">
+                <p14:modId xmlns:p14="http://schemas.microsoft.com/office/powerpoint/2010/main" val="2822456260"/>
+              </p:ext>
+            </p:extLst>
+          </p:nvPr>
+        </p:nvGraphicFramePr>
+        <p:xfrm>
+          <a:off x="838200" y="2425169"/>
+          <a:ext cx="10515600" cy="1737360"/>
+        </p:xfrm>
+        <a:graphic>
+          <a:graphicData uri="http://schemas.openxmlformats.org/drawingml/2006/table">
+            <a:tbl>
+              <a:tblPr/>
+              <a:tblGrid>
+                <a:gridCol w="10515600">
+                  <a:extLst>
+                    <a:ext uri="{9D8B030D-6E8A-4147-A177-3AD203B41FA5}">
+                      <a16:colId xmlns:a16="http://schemas.microsoft.com/office/drawing/2014/main" val="1534880188"/>
+                    </a:ext>
+                  </a:extLst>
+                </a:gridCol>
+              </a:tblGrid>
+              <a:tr h="1325564">
+                <a:tc>
+                  <a:txBody>
+                    <a:bodyPr/>
+                    <a:lstStyle/>
+                    <a:p>
+                      <a:r>
+                        <a:rPr lang="pt-BR" dirty="0"/>
+                        <a:t>Aplicativo que monitora estoque, validade, rupturas de prateleira, preços; sugere tarefas automaticamente para a equipe; integra com ERP da TOTVS. </a:t>
+                      </a:r>
+                    </a:p>
+                    <a:p>
+                      <a:endParaRPr lang="pt-BR" dirty="0"/>
+                    </a:p>
+                    <a:p>
+                      <a:endParaRPr lang="pt-BR" dirty="0"/>
+                    </a:p>
+                    <a:p>
+                      <a:r>
+                        <a:rPr lang="pt-BR" dirty="0"/>
+                        <a:t>Esse Aplicativo nos despertou a ideia de gerir e distribuir as tarefas para os funcionários do supermercado, além das opções de visualização do estoque e Reabastecimento de mercadorias.</a:t>
+                      </a:r>
+                    </a:p>
+                  </a:txBody>
+                  <a:tcPr anchor="ctr">
+                    <a:lnL>
+                      <a:noFill/>
+                    </a:lnL>
+                    <a:lnR>
+                      <a:noFill/>
+                    </a:lnR>
+                    <a:lnT>
+                      <a:noFill/>
+                    </a:lnT>
+                    <a:lnB>
+                      <a:noFill/>
+                    </a:lnB>
+                  </a:tcPr>
+                </a:tc>
+                <a:extLst>
+                  <a:ext uri="{0D108BD9-81ED-4DB2-BD59-A6C34878D82A}">
+                    <a16:rowId xmlns:a16="http://schemas.microsoft.com/office/drawing/2014/main" val="1296325825"/>
+                  </a:ext>
+                </a:extLst>
+              </a:tr>
+            </a:tbl>
+          </a:graphicData>
+        </a:graphic>
+      </p:graphicFrame>
+      <p:sp>
+        <p:nvSpPr>
+          <p:cNvPr id="7" name="Espaço Reservado para Conteúdo 6">
+            <a:extLst>
+              <a:ext uri="{FF2B5EF4-FFF2-40B4-BE49-F238E27FC236}">
+                <a16:creationId xmlns:a16="http://schemas.microsoft.com/office/drawing/2014/main" id="{23FF97C5-BB5C-4F89-9FC9-5E51E10617B9}"/>
               </a:ext>
             </a:extLst>
           </p:cNvPr>
@@ -5966,12 +4018,24 @@
             <p:ph idx="1"/>
           </p:nvPr>
         </p:nvSpPr>
-        <p:spPr/>
-        <p:txBody>
-          <a:bodyPr/>
-          <a:lstStyle/>
-          <a:p>
-            <a:endParaRPr lang="pt-BR"/>
+        <p:spPr>
+          <a:xfrm>
+            <a:off x="762000" y="1842558"/>
+            <a:ext cx="10515600" cy="604309"/>
+          </a:xfrm>
+        </p:spPr>
+        <p:txBody>
+          <a:bodyPr/>
+          <a:lstStyle/>
+          <a:p>
+            <a:r>
+              <a:rPr lang="pt-BR" b="1" dirty="0"/>
+              <a:t>Minha Gestão de Lojas (TOTVS)</a:t>
+            </a:r>
+            <a:endParaRPr lang="pt-BR" dirty="0"/>
+          </a:p>
+          <a:p>
+            <a:endParaRPr lang="pt-BR" dirty="0"/>
           </a:p>
         </p:txBody>
       </p:sp>
@@ -6054,7 +4118,19 @@
           <a:bodyPr/>
           <a:lstStyle/>
           <a:p>
-            <a:endParaRPr lang="pt-BR"/>
+            <a:r>
+              <a:rPr lang="pt-BR" dirty="0"/>
+              <a:t>Ajudar na Distribuição organizada de tarefas para os funcionários e Avaliação e controle dos funcionários.</a:t>
+            </a:r>
+          </a:p>
+          <a:p>
+            <a:endParaRPr lang="pt-BR" dirty="0"/>
+          </a:p>
+          <a:p>
+            <a:r>
+              <a:rPr lang="pt-BR" dirty="0"/>
+              <a:t>Monitoramento do estoque.</a:t>
+            </a:r>
           </a:p>
         </p:txBody>
       </p:sp>
@@ -6137,7 +4213,10 @@
           <a:bodyPr/>
           <a:lstStyle/>
           <a:p>
-            <a:endParaRPr lang="pt-BR"/>
+            <a:r>
+              <a:rPr lang="pt-BR" dirty="0"/>
+              <a:t>Falta de Controle de Estoque, Falta de Controle de Validade, Falta de relatórios e Ruptura de planilhas.</a:t>
+            </a:r>
           </a:p>
         </p:txBody>
       </p:sp>
@@ -6145,692 +4224,6 @@
     <p:extLst>
       <p:ext uri="{BB962C8B-B14F-4D97-AF65-F5344CB8AC3E}">
         <p14:creationId xmlns:p14="http://schemas.microsoft.com/office/powerpoint/2010/main" val="544118847"/>
-      </p:ext>
-    </p:extLst>
-  </p:cSld>
-  <p:clrMapOvr>
-    <a:masterClrMapping/>
-  </p:clrMapOvr>
-</p:sld>
-</file>
-
-<file path=ppt/slides/slide6.xml><?xml version="1.0" encoding="utf-8"?>
-<p:sld xmlns:a="http://schemas.openxmlformats.org/drawingml/2006/main" xmlns:r="http://schemas.openxmlformats.org/officeDocument/2006/relationships" xmlns:p="http://schemas.openxmlformats.org/presentationml/2006/main">
-  <p:cSld>
-    <p:spTree>
-      <p:nvGrpSpPr>
-        <p:cNvPr id="1" name=""/>
-        <p:cNvGrpSpPr/>
-        <p:nvPr/>
-      </p:nvGrpSpPr>
-      <p:grpSpPr>
-        <a:xfrm>
-          <a:off x="0" y="0"/>
-          <a:ext cx="0" cy="0"/>
-          <a:chOff x="0" y="0"/>
-          <a:chExt cx="0" cy="0"/>
-        </a:xfrm>
-      </p:grpSpPr>
-      <p:sp>
-        <p:nvSpPr>
-          <p:cNvPr id="2" name="Título 1">
-            <a:extLst>
-              <a:ext uri="{FF2B5EF4-FFF2-40B4-BE49-F238E27FC236}">
-                <a16:creationId xmlns:a16="http://schemas.microsoft.com/office/drawing/2014/main" id="{BEECD517-CAC7-4515-A0D6-6166BB2C75FB}"/>
-              </a:ext>
-            </a:extLst>
-          </p:cNvPr>
-          <p:cNvSpPr>
-            <a:spLocks noGrp="1"/>
-          </p:cNvSpPr>
-          <p:nvPr>
-            <p:ph type="title"/>
-          </p:nvPr>
-        </p:nvSpPr>
-        <p:spPr/>
-        <p:txBody>
-          <a:bodyPr/>
-          <a:lstStyle/>
-          <a:p>
-            <a:r>
-              <a:rPr lang="pt-BR" dirty="0"/>
-              <a:t>Software 2</a:t>
-            </a:r>
-          </a:p>
-        </p:txBody>
-      </p:sp>
-      <p:graphicFrame>
-        <p:nvGraphicFramePr>
-          <p:cNvPr id="4" name="Espaço Reservado para Conteúdo 3">
-            <a:extLst>
-              <a:ext uri="{FF2B5EF4-FFF2-40B4-BE49-F238E27FC236}">
-                <a16:creationId xmlns:a16="http://schemas.microsoft.com/office/drawing/2014/main" id="{4742014A-4325-4F27-A37C-186D03078E24}"/>
-              </a:ext>
-            </a:extLst>
-          </p:cNvPr>
-          <p:cNvGraphicFramePr>
-            <a:graphicFrameLocks noGrp="1"/>
-          </p:cNvGraphicFramePr>
-          <p:nvPr>
-            <p:ph idx="1"/>
-            <p:extLst>
-              <p:ext uri="{D42A27DB-BD31-4B8C-83A1-F6EECF244321}">
-                <p14:modId xmlns:p14="http://schemas.microsoft.com/office/powerpoint/2010/main" val="422547325"/>
-              </p:ext>
-            </p:extLst>
-          </p:nvPr>
-        </p:nvGraphicFramePr>
-        <p:xfrm>
-          <a:off x="838199" y="1690688"/>
-          <a:ext cx="10515600" cy="4901231"/>
-        </p:xfrm>
-        <a:graphic>
-          <a:graphicData uri="http://schemas.openxmlformats.org/drawingml/2006/table">
-            <a:tbl>
-              <a:tblPr firstCol="1" bandRow="1">
-                <a:tableStyleId>{21E4AEA4-8DFA-4A89-87EB-49C32662AFE0}</a:tableStyleId>
-              </a:tblPr>
-              <a:tblGrid>
-                <a:gridCol w="4017886">
-                  <a:extLst>
-                    <a:ext uri="{9D8B030D-6E8A-4147-A177-3AD203B41FA5}">
-                      <a16:colId xmlns:a16="http://schemas.microsoft.com/office/drawing/2014/main" val="3984042501"/>
-                    </a:ext>
-                  </a:extLst>
-                </a:gridCol>
-                <a:gridCol w="6497714">
-                  <a:extLst>
-                    <a:ext uri="{9D8B030D-6E8A-4147-A177-3AD203B41FA5}">
-                      <a16:colId xmlns:a16="http://schemas.microsoft.com/office/drawing/2014/main" val="1835585303"/>
-                    </a:ext>
-                  </a:extLst>
-                </a:gridCol>
-              </a:tblGrid>
-              <a:tr h="922492">
-                <a:tc>
-                  <a:txBody>
-                    <a:bodyPr/>
-                    <a:lstStyle/>
-                    <a:p>
-                      <a:pPr algn="l">
-                        <a:lnSpc>
-                          <a:spcPct val="150000"/>
-                        </a:lnSpc>
-                        <a:spcAft>
-                          <a:spcPts val="600"/>
-                        </a:spcAft>
-                      </a:pPr>
-                      <a:r>
-                        <a:rPr lang="pt-BR" sz="2800" dirty="0">
-                          <a:effectLst/>
-                        </a:rPr>
-                        <a:t>Nome:</a:t>
-                      </a:r>
-                      <a:endParaRPr lang="pt-BR" sz="2800" dirty="0">
-                        <a:effectLst/>
-                        <a:latin typeface="Arial" panose="020B0604020202020204" pitchFamily="34" charset="0"/>
-                        <a:ea typeface="Calibri" panose="020F0502020204030204" pitchFamily="34" charset="0"/>
-                        <a:cs typeface="Times New Roman" panose="02020603050405020304" pitchFamily="18" charset="0"/>
-                      </a:endParaRPr>
-                    </a:p>
-                  </a:txBody>
-                  <a:tcPr marL="48706" marR="48706" marT="0" marB="0" anchor="ctr"/>
-                </a:tc>
-                <a:tc>
-                  <a:txBody>
-                    <a:bodyPr/>
-                    <a:lstStyle/>
-                    <a:p>
-                      <a:pPr algn="just">
-                        <a:lnSpc>
-                          <a:spcPct val="150000"/>
-                        </a:lnSpc>
-                        <a:spcAft>
-                          <a:spcPts val="600"/>
-                        </a:spcAft>
-                      </a:pPr>
-                      <a:r>
-                        <a:rPr lang="pt-BR" sz="2800" dirty="0">
-                          <a:effectLst/>
-                        </a:rPr>
-                        <a:t> </a:t>
-                      </a:r>
-                      <a:endParaRPr lang="pt-BR" sz="2800" dirty="0">
-                        <a:effectLst/>
-                        <a:latin typeface="Arial" panose="020B0604020202020204" pitchFamily="34" charset="0"/>
-                        <a:ea typeface="Calibri" panose="020F0502020204030204" pitchFamily="34" charset="0"/>
-                        <a:cs typeface="Times New Roman" panose="02020603050405020304" pitchFamily="18" charset="0"/>
-                      </a:endParaRPr>
-                    </a:p>
-                  </a:txBody>
-                  <a:tcPr marL="48706" marR="48706" marT="0" marB="0"/>
-                </a:tc>
-                <a:extLst>
-                  <a:ext uri="{0D108BD9-81ED-4DB2-BD59-A6C34878D82A}">
-                    <a16:rowId xmlns:a16="http://schemas.microsoft.com/office/drawing/2014/main" val="297689699"/>
-                  </a:ext>
-                </a:extLst>
-              </a:tr>
-              <a:tr h="922492">
-                <a:tc>
-                  <a:txBody>
-                    <a:bodyPr/>
-                    <a:lstStyle/>
-                    <a:p>
-                      <a:pPr algn="l">
-                        <a:lnSpc>
-                          <a:spcPct val="150000"/>
-                        </a:lnSpc>
-                        <a:spcAft>
-                          <a:spcPts val="600"/>
-                        </a:spcAft>
-                      </a:pPr>
-                      <a:r>
-                        <a:rPr lang="pt-BR" sz="2800">
-                          <a:effectLst/>
-                        </a:rPr>
-                        <a:t>Plataforma destino:</a:t>
-                      </a:r>
-                      <a:endParaRPr lang="pt-BR" sz="2800">
-                        <a:effectLst/>
-                        <a:latin typeface="Arial" panose="020B0604020202020204" pitchFamily="34" charset="0"/>
-                        <a:ea typeface="Calibri" panose="020F0502020204030204" pitchFamily="34" charset="0"/>
-                        <a:cs typeface="Times New Roman" panose="02020603050405020304" pitchFamily="18" charset="0"/>
-                      </a:endParaRPr>
-                    </a:p>
-                  </a:txBody>
-                  <a:tcPr marL="48706" marR="48706" marT="0" marB="0" anchor="ctr"/>
-                </a:tc>
-                <a:tc>
-                  <a:txBody>
-                    <a:bodyPr/>
-                    <a:lstStyle/>
-                    <a:p>
-                      <a:pPr algn="just">
-                        <a:lnSpc>
-                          <a:spcPct val="150000"/>
-                        </a:lnSpc>
-                        <a:spcAft>
-                          <a:spcPts val="600"/>
-                        </a:spcAft>
-                      </a:pPr>
-                      <a:r>
-                        <a:rPr lang="pt-BR" sz="2800" dirty="0">
-                          <a:effectLst/>
-                        </a:rPr>
-                        <a:t> </a:t>
-                      </a:r>
-                      <a:endParaRPr lang="pt-BR" sz="2800" dirty="0">
-                        <a:effectLst/>
-                        <a:latin typeface="Arial" panose="020B0604020202020204" pitchFamily="34" charset="0"/>
-                        <a:ea typeface="Calibri" panose="020F0502020204030204" pitchFamily="34" charset="0"/>
-                        <a:cs typeface="Times New Roman" panose="02020603050405020304" pitchFamily="18" charset="0"/>
-                      </a:endParaRPr>
-                    </a:p>
-                  </a:txBody>
-                  <a:tcPr marL="48706" marR="48706" marT="0" marB="0"/>
-                </a:tc>
-                <a:extLst>
-                  <a:ext uri="{0D108BD9-81ED-4DB2-BD59-A6C34878D82A}">
-                    <a16:rowId xmlns:a16="http://schemas.microsoft.com/office/drawing/2014/main" val="426680033"/>
-                  </a:ext>
-                </a:extLst>
-              </a:tr>
-              <a:tr h="922492">
-                <a:tc>
-                  <a:txBody>
-                    <a:bodyPr/>
-                    <a:lstStyle/>
-                    <a:p>
-                      <a:pPr algn="l">
-                        <a:lnSpc>
-                          <a:spcPct val="150000"/>
-                        </a:lnSpc>
-                        <a:spcAft>
-                          <a:spcPts val="600"/>
-                        </a:spcAft>
-                      </a:pPr>
-                      <a:r>
-                        <a:rPr lang="pt-BR" sz="2800" dirty="0">
-                          <a:effectLst/>
-                        </a:rPr>
-                        <a:t>Autor (es) / empresa:</a:t>
-                      </a:r>
-                      <a:endParaRPr lang="pt-BR" sz="2800" dirty="0">
-                        <a:effectLst/>
-                        <a:latin typeface="Arial" panose="020B0604020202020204" pitchFamily="34" charset="0"/>
-                        <a:ea typeface="Calibri" panose="020F0502020204030204" pitchFamily="34" charset="0"/>
-                        <a:cs typeface="Times New Roman" panose="02020603050405020304" pitchFamily="18" charset="0"/>
-                      </a:endParaRPr>
-                    </a:p>
-                  </a:txBody>
-                  <a:tcPr marL="48706" marR="48706" marT="0" marB="0" anchor="ctr"/>
-                </a:tc>
-                <a:tc>
-                  <a:txBody>
-                    <a:bodyPr/>
-                    <a:lstStyle/>
-                    <a:p>
-                      <a:pPr algn="just">
-                        <a:lnSpc>
-                          <a:spcPct val="150000"/>
-                        </a:lnSpc>
-                        <a:spcAft>
-                          <a:spcPts val="600"/>
-                        </a:spcAft>
-                      </a:pPr>
-                      <a:r>
-                        <a:rPr lang="pt-BR" sz="2800" dirty="0">
-                          <a:effectLst/>
-                        </a:rPr>
-                        <a:t> </a:t>
-                      </a:r>
-                      <a:endParaRPr lang="pt-BR" sz="2800" dirty="0">
-                        <a:effectLst/>
-                        <a:latin typeface="Arial" panose="020B0604020202020204" pitchFamily="34" charset="0"/>
-                        <a:ea typeface="Calibri" panose="020F0502020204030204" pitchFamily="34" charset="0"/>
-                        <a:cs typeface="Times New Roman" panose="02020603050405020304" pitchFamily="18" charset="0"/>
-                      </a:endParaRPr>
-                    </a:p>
-                  </a:txBody>
-                  <a:tcPr marL="48706" marR="48706" marT="0" marB="0"/>
-                </a:tc>
-                <a:extLst>
-                  <a:ext uri="{0D108BD9-81ED-4DB2-BD59-A6C34878D82A}">
-                    <a16:rowId xmlns:a16="http://schemas.microsoft.com/office/drawing/2014/main" val="3707920009"/>
-                  </a:ext>
-                </a:extLst>
-              </a:tr>
-              <a:tr h="922492">
-                <a:tc>
-                  <a:txBody>
-                    <a:bodyPr/>
-                    <a:lstStyle/>
-                    <a:p>
-                      <a:pPr algn="l">
-                        <a:lnSpc>
-                          <a:spcPct val="150000"/>
-                        </a:lnSpc>
-                        <a:spcAft>
-                          <a:spcPts val="600"/>
-                        </a:spcAft>
-                      </a:pPr>
-                      <a:r>
-                        <a:rPr lang="pt-BR" sz="2800">
-                          <a:effectLst/>
-                        </a:rPr>
-                        <a:t>Link:</a:t>
-                      </a:r>
-                      <a:endParaRPr lang="pt-BR" sz="2800">
-                        <a:effectLst/>
-                        <a:latin typeface="Arial" panose="020B0604020202020204" pitchFamily="34" charset="0"/>
-                        <a:ea typeface="Calibri" panose="020F0502020204030204" pitchFamily="34" charset="0"/>
-                        <a:cs typeface="Times New Roman" panose="02020603050405020304" pitchFamily="18" charset="0"/>
-                      </a:endParaRPr>
-                    </a:p>
-                  </a:txBody>
-                  <a:tcPr marL="48706" marR="48706" marT="0" marB="0" anchor="ctr"/>
-                </a:tc>
-                <a:tc>
-                  <a:txBody>
-                    <a:bodyPr/>
-                    <a:lstStyle/>
-                    <a:p>
-                      <a:pPr algn="just">
-                        <a:lnSpc>
-                          <a:spcPct val="150000"/>
-                        </a:lnSpc>
-                        <a:spcAft>
-                          <a:spcPts val="600"/>
-                        </a:spcAft>
-                      </a:pPr>
-                      <a:r>
-                        <a:rPr lang="pt-BR" sz="2800" dirty="0">
-                          <a:effectLst/>
-                        </a:rPr>
-                        <a:t> </a:t>
-                      </a:r>
-                      <a:endParaRPr lang="pt-BR" sz="2800" dirty="0">
-                        <a:effectLst/>
-                        <a:latin typeface="Arial" panose="020B0604020202020204" pitchFamily="34" charset="0"/>
-                        <a:ea typeface="Calibri" panose="020F0502020204030204" pitchFamily="34" charset="0"/>
-                        <a:cs typeface="Times New Roman" panose="02020603050405020304" pitchFamily="18" charset="0"/>
-                      </a:endParaRPr>
-                    </a:p>
-                  </a:txBody>
-                  <a:tcPr marL="48706" marR="48706" marT="0" marB="0"/>
-                </a:tc>
-                <a:extLst>
-                  <a:ext uri="{0D108BD9-81ED-4DB2-BD59-A6C34878D82A}">
-                    <a16:rowId xmlns:a16="http://schemas.microsoft.com/office/drawing/2014/main" val="4218082234"/>
-                  </a:ext>
-                </a:extLst>
-              </a:tr>
-              <a:tr h="922492">
-                <a:tc>
-                  <a:txBody>
-                    <a:bodyPr/>
-                    <a:lstStyle/>
-                    <a:p>
-                      <a:pPr algn="l">
-                        <a:lnSpc>
-                          <a:spcPct val="150000"/>
-                        </a:lnSpc>
-                        <a:spcAft>
-                          <a:spcPts val="600"/>
-                        </a:spcAft>
-                      </a:pPr>
-                      <a:r>
-                        <a:rPr lang="pt-BR" sz="2800" dirty="0">
-                          <a:effectLst/>
-                        </a:rPr>
-                        <a:t>Valor (mensalidade ou licença)</a:t>
-                      </a:r>
-                      <a:endParaRPr lang="pt-BR" sz="2800" dirty="0">
-                        <a:effectLst/>
-                        <a:latin typeface="Arial" panose="020B0604020202020204" pitchFamily="34" charset="0"/>
-                        <a:ea typeface="Calibri" panose="020F0502020204030204" pitchFamily="34" charset="0"/>
-                        <a:cs typeface="Times New Roman" panose="02020603050405020304" pitchFamily="18" charset="0"/>
-                      </a:endParaRPr>
-                    </a:p>
-                  </a:txBody>
-                  <a:tcPr marL="48706" marR="48706" marT="0" marB="0" anchor="ctr"/>
-                </a:tc>
-                <a:tc>
-                  <a:txBody>
-                    <a:bodyPr/>
-                    <a:lstStyle/>
-                    <a:p>
-                      <a:pPr algn="just">
-                        <a:lnSpc>
-                          <a:spcPct val="150000"/>
-                        </a:lnSpc>
-                        <a:spcAft>
-                          <a:spcPts val="600"/>
-                        </a:spcAft>
-                      </a:pPr>
-                      <a:r>
-                        <a:rPr lang="pt-BR" sz="2800" dirty="0">
-                          <a:effectLst/>
-                        </a:rPr>
-                        <a:t> </a:t>
-                      </a:r>
-                      <a:endParaRPr lang="pt-BR" sz="2800" dirty="0">
-                        <a:effectLst/>
-                        <a:latin typeface="Arial" panose="020B0604020202020204" pitchFamily="34" charset="0"/>
-                        <a:ea typeface="Calibri" panose="020F0502020204030204" pitchFamily="34" charset="0"/>
-                        <a:cs typeface="Times New Roman" panose="02020603050405020304" pitchFamily="18" charset="0"/>
-                      </a:endParaRPr>
-                    </a:p>
-                  </a:txBody>
-                  <a:tcPr marL="48706" marR="48706" marT="0" marB="0"/>
-                </a:tc>
-                <a:extLst>
-                  <a:ext uri="{0D108BD9-81ED-4DB2-BD59-A6C34878D82A}">
-                    <a16:rowId xmlns:a16="http://schemas.microsoft.com/office/drawing/2014/main" val="3148288481"/>
-                  </a:ext>
-                </a:extLst>
-              </a:tr>
-            </a:tbl>
-          </a:graphicData>
-        </a:graphic>
-      </p:graphicFrame>
-    </p:spTree>
-    <p:extLst>
-      <p:ext uri="{BB962C8B-B14F-4D97-AF65-F5344CB8AC3E}">
-        <p14:creationId xmlns:p14="http://schemas.microsoft.com/office/powerpoint/2010/main" val="4057892750"/>
-      </p:ext>
-    </p:extLst>
-  </p:cSld>
-  <p:clrMapOvr>
-    <a:masterClrMapping/>
-  </p:clrMapOvr>
-</p:sld>
-</file>
-
-<file path=ppt/slides/slide7.xml><?xml version="1.0" encoding="utf-8"?>
-<p:sld xmlns:a="http://schemas.openxmlformats.org/drawingml/2006/main" xmlns:r="http://schemas.openxmlformats.org/officeDocument/2006/relationships" xmlns:p="http://schemas.openxmlformats.org/presentationml/2006/main">
-  <p:cSld>
-    <p:spTree>
-      <p:nvGrpSpPr>
-        <p:cNvPr id="1" name=""/>
-        <p:cNvGrpSpPr/>
-        <p:nvPr/>
-      </p:nvGrpSpPr>
-      <p:grpSpPr>
-        <a:xfrm>
-          <a:off x="0" y="0"/>
-          <a:ext cx="0" cy="0"/>
-          <a:chOff x="0" y="0"/>
-          <a:chExt cx="0" cy="0"/>
-        </a:xfrm>
-      </p:grpSpPr>
-      <p:sp>
-        <p:nvSpPr>
-          <p:cNvPr id="2" name="Título 1">
-            <a:extLst>
-              <a:ext uri="{FF2B5EF4-FFF2-40B4-BE49-F238E27FC236}">
-                <a16:creationId xmlns:a16="http://schemas.microsoft.com/office/drawing/2014/main" id="{76A3EC03-A16E-476A-8BFF-2BF4315B193A}"/>
-              </a:ext>
-            </a:extLst>
-          </p:cNvPr>
-          <p:cNvSpPr>
-            <a:spLocks noGrp="1"/>
-          </p:cNvSpPr>
-          <p:nvPr>
-            <p:ph type="title"/>
-          </p:nvPr>
-        </p:nvSpPr>
-        <p:spPr/>
-        <p:txBody>
-          <a:bodyPr/>
-          <a:lstStyle/>
-          <a:p>
-            <a:r>
-              <a:rPr lang="pt-BR" sz="4400" dirty="0">
-                <a:effectLst/>
-              </a:rPr>
-              <a:t>Ideias que a ferramenta forneceu para o TCC</a:t>
-            </a:r>
-            <a:endParaRPr lang="pt-BR" dirty="0"/>
-          </a:p>
-        </p:txBody>
-      </p:sp>
-      <p:sp>
-        <p:nvSpPr>
-          <p:cNvPr id="3" name="Espaço Reservado para Conteúdo 2">
-            <a:extLst>
-              <a:ext uri="{FF2B5EF4-FFF2-40B4-BE49-F238E27FC236}">
-                <a16:creationId xmlns:a16="http://schemas.microsoft.com/office/drawing/2014/main" id="{AFA671E5-30CB-4252-A014-CB4AB527F8AA}"/>
-              </a:ext>
-            </a:extLst>
-          </p:cNvPr>
-          <p:cNvSpPr>
-            <a:spLocks noGrp="1"/>
-          </p:cNvSpPr>
-          <p:nvPr>
-            <p:ph idx="1"/>
-          </p:nvPr>
-        </p:nvSpPr>
-        <p:spPr/>
-        <p:txBody>
-          <a:bodyPr/>
-          <a:lstStyle/>
-          <a:p>
-            <a:endParaRPr lang="pt-BR"/>
-          </a:p>
-        </p:txBody>
-      </p:sp>
-    </p:spTree>
-    <p:extLst>
-      <p:ext uri="{BB962C8B-B14F-4D97-AF65-F5344CB8AC3E}">
-        <p14:creationId xmlns:p14="http://schemas.microsoft.com/office/powerpoint/2010/main" val="2162510561"/>
-      </p:ext>
-    </p:extLst>
-  </p:cSld>
-  <p:clrMapOvr>
-    <a:masterClrMapping/>
-  </p:clrMapOvr>
-</p:sld>
-</file>
-
-<file path=ppt/slides/slide8.xml><?xml version="1.0" encoding="utf-8"?>
-<p:sld xmlns:a="http://schemas.openxmlformats.org/drawingml/2006/main" xmlns:r="http://schemas.openxmlformats.org/officeDocument/2006/relationships" xmlns:p="http://schemas.openxmlformats.org/presentationml/2006/main">
-  <p:cSld>
-    <p:spTree>
-      <p:nvGrpSpPr>
-        <p:cNvPr id="1" name=""/>
-        <p:cNvGrpSpPr/>
-        <p:nvPr/>
-      </p:nvGrpSpPr>
-      <p:grpSpPr>
-        <a:xfrm>
-          <a:off x="0" y="0"/>
-          <a:ext cx="0" cy="0"/>
-          <a:chOff x="0" y="0"/>
-          <a:chExt cx="0" cy="0"/>
-        </a:xfrm>
-      </p:grpSpPr>
-      <p:sp>
-        <p:nvSpPr>
-          <p:cNvPr id="2" name="Título 1">
-            <a:extLst>
-              <a:ext uri="{FF2B5EF4-FFF2-40B4-BE49-F238E27FC236}">
-                <a16:creationId xmlns:a16="http://schemas.microsoft.com/office/drawing/2014/main" id="{0042E326-C98D-43A5-87D2-019C9E2FA2DD}"/>
-              </a:ext>
-            </a:extLst>
-          </p:cNvPr>
-          <p:cNvSpPr>
-            <a:spLocks noGrp="1"/>
-          </p:cNvSpPr>
-          <p:nvPr>
-            <p:ph type="title"/>
-          </p:nvPr>
-        </p:nvSpPr>
-        <p:spPr/>
-        <p:txBody>
-          <a:bodyPr/>
-          <a:lstStyle/>
-          <a:p>
-            <a:r>
-              <a:rPr lang="pt-BR" dirty="0"/>
-              <a:t>Pontos positivos</a:t>
-            </a:r>
-          </a:p>
-        </p:txBody>
-      </p:sp>
-      <p:sp>
-        <p:nvSpPr>
-          <p:cNvPr id="3" name="Espaço Reservado para Conteúdo 2">
-            <a:extLst>
-              <a:ext uri="{FF2B5EF4-FFF2-40B4-BE49-F238E27FC236}">
-                <a16:creationId xmlns:a16="http://schemas.microsoft.com/office/drawing/2014/main" id="{ED3657B5-77DE-4845-81A0-A8CBAA7D440A}"/>
-              </a:ext>
-            </a:extLst>
-          </p:cNvPr>
-          <p:cNvSpPr>
-            <a:spLocks noGrp="1"/>
-          </p:cNvSpPr>
-          <p:nvPr>
-            <p:ph idx="1"/>
-          </p:nvPr>
-        </p:nvSpPr>
-        <p:spPr/>
-        <p:txBody>
-          <a:bodyPr/>
-          <a:lstStyle/>
-          <a:p>
-            <a:endParaRPr lang="pt-BR"/>
-          </a:p>
-        </p:txBody>
-      </p:sp>
-    </p:spTree>
-    <p:extLst>
-      <p:ext uri="{BB962C8B-B14F-4D97-AF65-F5344CB8AC3E}">
-        <p14:creationId xmlns:p14="http://schemas.microsoft.com/office/powerpoint/2010/main" val="2716832112"/>
-      </p:ext>
-    </p:extLst>
-  </p:cSld>
-  <p:clrMapOvr>
-    <a:masterClrMapping/>
-  </p:clrMapOvr>
-</p:sld>
-</file>
-
-<file path=ppt/slides/slide9.xml><?xml version="1.0" encoding="utf-8"?>
-<p:sld xmlns:a="http://schemas.openxmlformats.org/drawingml/2006/main" xmlns:r="http://schemas.openxmlformats.org/officeDocument/2006/relationships" xmlns:p="http://schemas.openxmlformats.org/presentationml/2006/main">
-  <p:cSld>
-    <p:spTree>
-      <p:nvGrpSpPr>
-        <p:cNvPr id="1" name=""/>
-        <p:cNvGrpSpPr/>
-        <p:nvPr/>
-      </p:nvGrpSpPr>
-      <p:grpSpPr>
-        <a:xfrm>
-          <a:off x="0" y="0"/>
-          <a:ext cx="0" cy="0"/>
-          <a:chOff x="0" y="0"/>
-          <a:chExt cx="0" cy="0"/>
-        </a:xfrm>
-      </p:grpSpPr>
-      <p:sp>
-        <p:nvSpPr>
-          <p:cNvPr id="2" name="Título 1">
-            <a:extLst>
-              <a:ext uri="{FF2B5EF4-FFF2-40B4-BE49-F238E27FC236}">
-                <a16:creationId xmlns:a16="http://schemas.microsoft.com/office/drawing/2014/main" id="{41F2683C-0DFF-49C8-BA28-73FF3F3747EA}"/>
-              </a:ext>
-            </a:extLst>
-          </p:cNvPr>
-          <p:cNvSpPr>
-            <a:spLocks noGrp="1"/>
-          </p:cNvSpPr>
-          <p:nvPr>
-            <p:ph type="title"/>
-          </p:nvPr>
-        </p:nvSpPr>
-        <p:spPr/>
-        <p:txBody>
-          <a:bodyPr/>
-          <a:lstStyle/>
-          <a:p>
-            <a:r>
-              <a:rPr lang="pt-BR" dirty="0"/>
-              <a:t>Pontos negativos</a:t>
-            </a:r>
-          </a:p>
-        </p:txBody>
-      </p:sp>
-      <p:sp>
-        <p:nvSpPr>
-          <p:cNvPr id="3" name="Espaço Reservado para Conteúdo 2">
-            <a:extLst>
-              <a:ext uri="{FF2B5EF4-FFF2-40B4-BE49-F238E27FC236}">
-                <a16:creationId xmlns:a16="http://schemas.microsoft.com/office/drawing/2014/main" id="{C6D79520-3309-47B5-B116-635586744FB2}"/>
-              </a:ext>
-            </a:extLst>
-          </p:cNvPr>
-          <p:cNvSpPr>
-            <a:spLocks noGrp="1"/>
-          </p:cNvSpPr>
-          <p:nvPr>
-            <p:ph idx="1"/>
-          </p:nvPr>
-        </p:nvSpPr>
-        <p:spPr/>
-        <p:txBody>
-          <a:bodyPr/>
-          <a:lstStyle/>
-          <a:p>
-            <a:endParaRPr lang="pt-BR"/>
-          </a:p>
-        </p:txBody>
-      </p:sp>
-    </p:spTree>
-    <p:extLst>
-      <p:ext uri="{BB962C8B-B14F-4D97-AF65-F5344CB8AC3E}">
-        <p14:creationId xmlns:p14="http://schemas.microsoft.com/office/powerpoint/2010/main" val="3361444967"/>
       </p:ext>
     </p:extLst>
   </p:cSld>
